--- a/Back-End/NodeJS/NodeJS 시작 하기.pptx
+++ b/Back-End/NodeJS/NodeJS 시작 하기.pptx
@@ -255,7 +255,7 @@
           <a:p>
             <a:fld id="{0701E38F-D71B-4628-B377-F26FA834EB07}" type="datetimeFigureOut">
               <a:rPr lang="ko-KR" altLang="en-US" smtClean="0"/>
-              <a:t>2022-12-07</a:t>
+              <a:t>2022-12-12</a:t>
             </a:fld>
             <a:endParaRPr lang="ko-KR" altLang="en-US"/>
           </a:p>
@@ -421,7 +421,7 @@
             <a:fld id="{BC75A1C1-99F9-4ED1-B968-97F8F766565C}" type="datetimeFigureOut">
               <a:rPr lang="ko-KR" altLang="en-US" smtClean="0"/>
               <a:pPr/>
-              <a:t>2022-12-07</a:t>
+              <a:t>2022-12-12</a:t>
             </a:fld>
             <a:endParaRPr lang="ko-KR" altLang="en-US"/>
           </a:p>
@@ -7081,48 +7081,81 @@
               <a:buChar char="•"/>
             </a:pPr>
             <a:r>
-              <a:rPr lang="en-US" altLang="ko-KR" sz="1600" dirty="0" err="1"/>
+              <a:rPr lang="en-US" altLang="ko-KR" sz="1400" dirty="0" err="1"/>
               <a:t>npm</a:t>
             </a:r>
             <a:r>
-              <a:rPr lang="en-US" altLang="ko-KR" sz="1600" dirty="0"/>
+              <a:rPr lang="en-US" altLang="ko-KR" sz="1400" dirty="0"/>
               <a:t> install express-generate </a:t>
             </a:r>
             <a:r>
-              <a:rPr lang="en-US" altLang="ko-KR" sz="1600" dirty="0" smtClean="0"/>
-              <a:t>–g</a:t>
-            </a:r>
-          </a:p>
-          <a:p>
-            <a:pPr marL="742950" lvl="1" indent="-285750" latinLnBrk="0">
-              <a:lnSpc>
-                <a:spcPct val="150000"/>
-              </a:lnSpc>
-              <a:buFont typeface="Arial" panose="020B0604020202020204" pitchFamily="34" charset="0"/>
-              <a:buChar char="•"/>
-            </a:pPr>
-            <a:r>
-              <a:rPr lang="en-US" altLang="ko-KR" sz="1600" dirty="0" err="1"/>
+              <a:rPr lang="en-US" altLang="ko-KR" sz="1400" dirty="0" smtClean="0"/>
+              <a:t>–</a:t>
+            </a:r>
+            <a:r>
+              <a:rPr lang="en-US" altLang="ko-KR" sz="1400" dirty="0" smtClean="0"/>
+              <a:t>g</a:t>
+            </a:r>
+          </a:p>
+          <a:p>
+            <a:pPr marL="742950" lvl="1" indent="-285750" latinLnBrk="0">
+              <a:lnSpc>
+                <a:spcPct val="150000"/>
+              </a:lnSpc>
+              <a:buFont typeface="Arial" panose="020B0604020202020204" pitchFamily="34" charset="0"/>
+              <a:buChar char="•"/>
+            </a:pPr>
+            <a:r>
+              <a:rPr lang="en-US" altLang="ko-KR" sz="1400" dirty="0" err="1"/>
               <a:t>npm</a:t>
             </a:r>
             <a:r>
-              <a:rPr lang="en-US" altLang="ko-KR" sz="1600" dirty="0"/>
-              <a:t> install -g </a:t>
-            </a:r>
-            <a:r>
-              <a:rPr lang="en-US" altLang="ko-KR" sz="1600" dirty="0" err="1" smtClean="0"/>
+              <a:rPr lang="en-US" altLang="ko-KR" sz="1400" dirty="0"/>
+              <a:t> </a:t>
+            </a:r>
+            <a:r>
+              <a:rPr lang="en-US" altLang="ko-KR" sz="1400" dirty="0" err="1"/>
+              <a:t>i</a:t>
+            </a:r>
+            <a:r>
+              <a:rPr lang="en-US" altLang="ko-KR" sz="1400" dirty="0"/>
+              <a:t> express-generator</a:t>
+            </a:r>
+          </a:p>
+          <a:p>
+            <a:pPr marL="742950" lvl="1" indent="-285750" latinLnBrk="0">
+              <a:lnSpc>
+                <a:spcPct val="150000"/>
+              </a:lnSpc>
+              <a:buFont typeface="Arial" panose="020B0604020202020204" pitchFamily="34" charset="0"/>
+              <a:buChar char="•"/>
+            </a:pPr>
+            <a:r>
+              <a:rPr lang="en-US" altLang="ko-KR" sz="1400" dirty="0" err="1" smtClean="0"/>
+              <a:t>npm</a:t>
+            </a:r>
+            <a:r>
+              <a:rPr lang="en-US" altLang="ko-KR" sz="1400" dirty="0" smtClean="0"/>
+              <a:t> </a:t>
+            </a:r>
+            <a:r>
+              <a:rPr lang="en-US" altLang="ko-KR" sz="1400" dirty="0"/>
+              <a:t>install -g </a:t>
+            </a:r>
+            <a:r>
+              <a:rPr lang="en-US" altLang="ko-KR" sz="1400" dirty="0" err="1" smtClean="0"/>
               <a:t>tsd</a:t>
             </a:r>
             <a:r>
-              <a:rPr lang="en-US" altLang="ko-KR" sz="1600" dirty="0" smtClean="0"/>
+              <a:rPr lang="en-US" altLang="ko-KR" sz="1400" dirty="0" smtClean="0"/>
               <a:t> (</a:t>
             </a:r>
             <a:r>
-              <a:rPr lang="ko-KR" altLang="en-US" sz="1600" dirty="0" err="1" smtClean="0"/>
+              <a:rPr lang="ko-KR" altLang="en-US" sz="1400" dirty="0" err="1" smtClean="0"/>
               <a:t>디버거</a:t>
             </a:r>
             <a:r>
-              <a:rPr lang="en-US" altLang="ko-KR" sz="1600" dirty="0" smtClean="0"/>
+              <a:rPr lang="en-US" altLang="ko-KR" sz="1400" dirty="0" smtClean="0"/>
               <a:t>)</a:t>
             </a:r>
           </a:p>
@@ -7135,58 +7168,14 @@
               <a:buChar char="•"/>
             </a:pPr>
             <a:r>
-              <a:rPr lang="en-US" altLang="ko-KR" sz="1600" dirty="0" err="1">
-                <a:solidFill>
-                  <a:srgbClr val="00B0F0"/>
-                </a:solidFill>
-              </a:rPr>
+              <a:rPr lang="en-US" altLang="ko-KR" sz="1400" dirty="0" err="1"/>
               <a:t>npx</a:t>
             </a:r>
             <a:r>
-              <a:rPr lang="en-US" altLang="ko-KR" sz="1600" dirty="0">
-                <a:solidFill>
-                  <a:srgbClr val="00B0F0"/>
-                </a:solidFill>
-              </a:rPr>
-              <a:t> express-generator </a:t>
-            </a:r>
-            <a:r>
-              <a:rPr lang="en-US" altLang="ko-KR" sz="1600" dirty="0" err="1" smtClean="0">
-                <a:solidFill>
-                  <a:srgbClr val="00B0F0"/>
-                </a:solidFill>
-              </a:rPr>
-              <a:t>expressApp</a:t>
-            </a:r>
-            <a:r>
-              <a:rPr lang="en-US" altLang="ko-KR" sz="1600" dirty="0" smtClean="0">
-                <a:solidFill>
-                  <a:srgbClr val="00B0F0"/>
-                </a:solidFill>
-              </a:rPr>
-              <a:t> </a:t>
-            </a:r>
-            <a:r>
-              <a:rPr lang="en-US" altLang="ko-KR" sz="1600" dirty="0">
-                <a:solidFill>
-                  <a:srgbClr val="00B0F0"/>
-                </a:solidFill>
-              </a:rPr>
-              <a:t>--view pug -–</a:t>
-            </a:r>
-            <a:r>
-              <a:rPr lang="en-US" altLang="ko-KR" sz="1600" dirty="0" err="1">
-                <a:solidFill>
-                  <a:srgbClr val="00B0F0"/>
-                </a:solidFill>
-              </a:rPr>
-              <a:t>git</a:t>
-            </a:r>
-            <a:endParaRPr lang="en-US" altLang="ko-KR" sz="1600" dirty="0" smtClean="0">
-              <a:solidFill>
-                <a:srgbClr val="00B0F0"/>
-              </a:solidFill>
-            </a:endParaRPr>
+              <a:rPr lang="en-US" altLang="ko-KR" sz="1400" dirty="0"/>
+              <a:t> express --view=pug projects</a:t>
+            </a:r>
+            <a:endParaRPr lang="en-US" altLang="ko-KR" sz="1400" dirty="0" smtClean="0"/>
           </a:p>
           <a:p>
             <a:pPr marL="742950" lvl="1" indent="-285750" latinLnBrk="0">

--- a/Back-End/NodeJS/NodeJS 시작 하기.pptx
+++ b/Back-End/NodeJS/NodeJS 시작 하기.pptx
@@ -255,7 +255,7 @@
           <a:p>
             <a:fld id="{0701E38F-D71B-4628-B377-F26FA834EB07}" type="datetimeFigureOut">
               <a:rPr lang="ko-KR" altLang="en-US" smtClean="0"/>
-              <a:t>2022-12-12</a:t>
+              <a:t>2022-12-14</a:t>
             </a:fld>
             <a:endParaRPr lang="ko-KR" altLang="en-US"/>
           </a:p>
@@ -421,7 +421,7 @@
             <a:fld id="{BC75A1C1-99F9-4ED1-B968-97F8F766565C}" type="datetimeFigureOut">
               <a:rPr lang="ko-KR" altLang="en-US" smtClean="0"/>
               <a:pPr/>
-              <a:t>2022-12-12</a:t>
+              <a:t>2022-12-14</a:t>
             </a:fld>
             <a:endParaRPr lang="ko-KR" altLang="en-US"/>
           </a:p>
@@ -7090,11 +7090,7 @@
             </a:r>
             <a:r>
               <a:rPr lang="en-US" altLang="ko-KR" sz="1400" dirty="0" smtClean="0"/>
-              <a:t>–</a:t>
-            </a:r>
-            <a:r>
-              <a:rPr lang="en-US" altLang="ko-KR" sz="1400" dirty="0" smtClean="0"/>
-              <a:t>g</a:t>
+              <a:t>–g</a:t>
             </a:r>
           </a:p>
           <a:p>

--- a/Back-End/NodeJS/NodeJS 시작 하기.pptx
+++ b/Back-End/NodeJS/NodeJS 시작 하기.pptx
@@ -5,10 +5,10 @@
     <p:sldMasterId id="2147483659" r:id="rId1"/>
   </p:sldMasterIdLst>
   <p:notesMasterIdLst>
-    <p:notesMasterId r:id="rId14"/>
+    <p:notesMasterId r:id="rId20"/>
   </p:notesMasterIdLst>
   <p:handoutMasterIdLst>
-    <p:handoutMasterId r:id="rId15"/>
+    <p:handoutMasterId r:id="rId21"/>
   </p:handoutMasterIdLst>
   <p:sldIdLst>
     <p:sldId id="615" r:id="rId2"/>
@@ -23,6 +23,12 @@
     <p:sldId id="1131" r:id="rId11"/>
     <p:sldId id="1130" r:id="rId12"/>
     <p:sldId id="1132" r:id="rId13"/>
+    <p:sldId id="1136" r:id="rId14"/>
+    <p:sldId id="1135" r:id="rId15"/>
+    <p:sldId id="1137" r:id="rId16"/>
+    <p:sldId id="1138" r:id="rId17"/>
+    <p:sldId id="1139" r:id="rId18"/>
+    <p:sldId id="1140" r:id="rId19"/>
   </p:sldIdLst>
   <p:sldSz cx="9144000" cy="6858000" type="screen4x3"/>
   <p:notesSz cx="6865938" cy="9998075"/>
@@ -255,7 +261,7 @@
           <a:p>
             <a:fld id="{0701E38F-D71B-4628-B377-F26FA834EB07}" type="datetimeFigureOut">
               <a:rPr lang="ko-KR" altLang="en-US" smtClean="0"/>
-              <a:t>2022-12-14</a:t>
+              <a:t>2023-01-06</a:t>
             </a:fld>
             <a:endParaRPr lang="ko-KR" altLang="en-US"/>
           </a:p>
@@ -421,7 +427,7 @@
             <a:fld id="{BC75A1C1-99F9-4ED1-B968-97F8F766565C}" type="datetimeFigureOut">
               <a:rPr lang="ko-KR" altLang="en-US" smtClean="0"/>
               <a:pPr/>
-              <a:t>2022-12-14</a:t>
+              <a:t>2023-01-06</a:t>
             </a:fld>
             <a:endParaRPr lang="ko-KR" altLang="en-US"/>
           </a:p>
@@ -777,6 +783,91 @@
 </p:notes>
 </file>
 
+<file path=ppt/notesSlides/notesSlide10.xml><?xml version="1.0" encoding="utf-8"?>
+<p:notes xmlns:a="http://schemas.openxmlformats.org/drawingml/2006/main" xmlns:r="http://schemas.openxmlformats.org/officeDocument/2006/relationships" xmlns:p="http://schemas.openxmlformats.org/presentationml/2006/main">
+  <p:cSld>
+    <p:spTree>
+      <p:nvGrpSpPr>
+        <p:cNvPr id="1" name=""/>
+        <p:cNvGrpSpPr/>
+        <p:nvPr/>
+      </p:nvGrpSpPr>
+      <p:grpSpPr>
+        <a:xfrm>
+          <a:off x="0" y="0"/>
+          <a:ext cx="0" cy="0"/>
+          <a:chOff x="0" y="0"/>
+          <a:chExt cx="0" cy="0"/>
+        </a:xfrm>
+      </p:grpSpPr>
+      <p:sp>
+        <p:nvSpPr>
+          <p:cNvPr id="2" name="슬라이드 이미지 개체 틀 1"/>
+          <p:cNvSpPr>
+            <a:spLocks noGrp="1" noRot="1" noChangeAspect="1"/>
+          </p:cNvSpPr>
+          <p:nvPr>
+            <p:ph type="sldImg"/>
+          </p:nvPr>
+        </p:nvSpPr>
+        <p:spPr/>
+      </p:sp>
+      <p:sp>
+        <p:nvSpPr>
+          <p:cNvPr id="3" name="슬라이드 노트 개체 틀 2"/>
+          <p:cNvSpPr>
+            <a:spLocks noGrp="1"/>
+          </p:cNvSpPr>
+          <p:nvPr>
+            <p:ph type="body" idx="1"/>
+          </p:nvPr>
+        </p:nvSpPr>
+        <p:spPr/>
+        <p:txBody>
+          <a:bodyPr/>
+          <a:lstStyle/>
+          <a:p>
+            <a:endParaRPr lang="ko-KR" altLang="en-US" dirty="0"/>
+          </a:p>
+        </p:txBody>
+      </p:sp>
+      <p:sp>
+        <p:nvSpPr>
+          <p:cNvPr id="4" name="슬라이드 번호 개체 틀 3"/>
+          <p:cNvSpPr>
+            <a:spLocks noGrp="1"/>
+          </p:cNvSpPr>
+          <p:nvPr>
+            <p:ph type="sldNum" sz="quarter" idx="10"/>
+          </p:nvPr>
+        </p:nvSpPr>
+        <p:spPr/>
+        <p:txBody>
+          <a:bodyPr/>
+          <a:lstStyle/>
+          <a:p>
+            <a:fld id="{2925679C-3CF1-4175-AC10-4B4E045DB2D3}" type="slidenum">
+              <a:rPr lang="ko-KR" altLang="en-US" smtClean="0"/>
+              <a:pPr/>
+              <a:t>18</a:t>
+            </a:fld>
+            <a:endParaRPr lang="ko-KR" altLang="en-US"/>
+          </a:p>
+        </p:txBody>
+      </p:sp>
+    </p:spTree>
+    <p:extLst>
+      <p:ext uri="{BB962C8B-B14F-4D97-AF65-F5344CB8AC3E}">
+        <p14:creationId xmlns:p14="http://schemas.microsoft.com/office/powerpoint/2010/main" val="1927279815"/>
+      </p:ext>
+    </p:extLst>
+  </p:cSld>
+  <p:clrMapOvr>
+    <a:masterClrMapping/>
+  </p:clrMapOvr>
+</p:notes>
+</file>
+
 <file path=ppt/notesSlides/notesSlide2.xml><?xml version="1.0" encoding="utf-8"?>
 <p:notes xmlns:a="http://schemas.openxmlformats.org/drawingml/2006/main" xmlns:r="http://schemas.openxmlformats.org/officeDocument/2006/relationships" xmlns:p="http://schemas.openxmlformats.org/presentationml/2006/main">
   <p:cSld>
@@ -1023,6 +1114,431 @@
     <p:extLst>
       <p:ext uri="{BB962C8B-B14F-4D97-AF65-F5344CB8AC3E}">
         <p14:creationId xmlns:p14="http://schemas.microsoft.com/office/powerpoint/2010/main" val="1530920392"/>
+      </p:ext>
+    </p:extLst>
+  </p:cSld>
+  <p:clrMapOvr>
+    <a:masterClrMapping/>
+  </p:clrMapOvr>
+</p:notes>
+</file>
+
+<file path=ppt/notesSlides/notesSlide5.xml><?xml version="1.0" encoding="utf-8"?>
+<p:notes xmlns:a="http://schemas.openxmlformats.org/drawingml/2006/main" xmlns:r="http://schemas.openxmlformats.org/officeDocument/2006/relationships" xmlns:p="http://schemas.openxmlformats.org/presentationml/2006/main">
+  <p:cSld>
+    <p:spTree>
+      <p:nvGrpSpPr>
+        <p:cNvPr id="1" name=""/>
+        <p:cNvGrpSpPr/>
+        <p:nvPr/>
+      </p:nvGrpSpPr>
+      <p:grpSpPr>
+        <a:xfrm>
+          <a:off x="0" y="0"/>
+          <a:ext cx="0" cy="0"/>
+          <a:chOff x="0" y="0"/>
+          <a:chExt cx="0" cy="0"/>
+        </a:xfrm>
+      </p:grpSpPr>
+      <p:sp>
+        <p:nvSpPr>
+          <p:cNvPr id="2" name="슬라이드 이미지 개체 틀 1"/>
+          <p:cNvSpPr>
+            <a:spLocks noGrp="1" noRot="1" noChangeAspect="1"/>
+          </p:cNvSpPr>
+          <p:nvPr>
+            <p:ph type="sldImg"/>
+          </p:nvPr>
+        </p:nvSpPr>
+        <p:spPr/>
+      </p:sp>
+      <p:sp>
+        <p:nvSpPr>
+          <p:cNvPr id="3" name="슬라이드 노트 개체 틀 2"/>
+          <p:cNvSpPr>
+            <a:spLocks noGrp="1"/>
+          </p:cNvSpPr>
+          <p:nvPr>
+            <p:ph type="body" idx="1"/>
+          </p:nvPr>
+        </p:nvSpPr>
+        <p:spPr/>
+        <p:txBody>
+          <a:bodyPr/>
+          <a:lstStyle/>
+          <a:p>
+            <a:endParaRPr lang="ko-KR" altLang="en-US" dirty="0"/>
+          </a:p>
+        </p:txBody>
+      </p:sp>
+      <p:sp>
+        <p:nvSpPr>
+          <p:cNvPr id="4" name="슬라이드 번호 개체 틀 3"/>
+          <p:cNvSpPr>
+            <a:spLocks noGrp="1"/>
+          </p:cNvSpPr>
+          <p:nvPr>
+            <p:ph type="sldNum" sz="quarter" idx="10"/>
+          </p:nvPr>
+        </p:nvSpPr>
+        <p:spPr/>
+        <p:txBody>
+          <a:bodyPr/>
+          <a:lstStyle/>
+          <a:p>
+            <a:fld id="{2925679C-3CF1-4175-AC10-4B4E045DB2D3}" type="slidenum">
+              <a:rPr lang="ko-KR" altLang="en-US" smtClean="0"/>
+              <a:pPr/>
+              <a:t>13</a:t>
+            </a:fld>
+            <a:endParaRPr lang="ko-KR" altLang="en-US"/>
+          </a:p>
+        </p:txBody>
+      </p:sp>
+    </p:spTree>
+    <p:extLst>
+      <p:ext uri="{BB962C8B-B14F-4D97-AF65-F5344CB8AC3E}">
+        <p14:creationId xmlns:p14="http://schemas.microsoft.com/office/powerpoint/2010/main" val="1422465596"/>
+      </p:ext>
+    </p:extLst>
+  </p:cSld>
+  <p:clrMapOvr>
+    <a:masterClrMapping/>
+  </p:clrMapOvr>
+</p:notes>
+</file>
+
+<file path=ppt/notesSlides/notesSlide6.xml><?xml version="1.0" encoding="utf-8"?>
+<p:notes xmlns:a="http://schemas.openxmlformats.org/drawingml/2006/main" xmlns:r="http://schemas.openxmlformats.org/officeDocument/2006/relationships" xmlns:p="http://schemas.openxmlformats.org/presentationml/2006/main">
+  <p:cSld>
+    <p:spTree>
+      <p:nvGrpSpPr>
+        <p:cNvPr id="1" name=""/>
+        <p:cNvGrpSpPr/>
+        <p:nvPr/>
+      </p:nvGrpSpPr>
+      <p:grpSpPr>
+        <a:xfrm>
+          <a:off x="0" y="0"/>
+          <a:ext cx="0" cy="0"/>
+          <a:chOff x="0" y="0"/>
+          <a:chExt cx="0" cy="0"/>
+        </a:xfrm>
+      </p:grpSpPr>
+      <p:sp>
+        <p:nvSpPr>
+          <p:cNvPr id="2" name="슬라이드 이미지 개체 틀 1"/>
+          <p:cNvSpPr>
+            <a:spLocks noGrp="1" noRot="1" noChangeAspect="1"/>
+          </p:cNvSpPr>
+          <p:nvPr>
+            <p:ph type="sldImg"/>
+          </p:nvPr>
+        </p:nvSpPr>
+        <p:spPr/>
+      </p:sp>
+      <p:sp>
+        <p:nvSpPr>
+          <p:cNvPr id="3" name="슬라이드 노트 개체 틀 2"/>
+          <p:cNvSpPr>
+            <a:spLocks noGrp="1"/>
+          </p:cNvSpPr>
+          <p:nvPr>
+            <p:ph type="body" idx="1"/>
+          </p:nvPr>
+        </p:nvSpPr>
+        <p:spPr/>
+        <p:txBody>
+          <a:bodyPr/>
+          <a:lstStyle/>
+          <a:p>
+            <a:endParaRPr lang="ko-KR" altLang="en-US" dirty="0"/>
+          </a:p>
+        </p:txBody>
+      </p:sp>
+      <p:sp>
+        <p:nvSpPr>
+          <p:cNvPr id="4" name="슬라이드 번호 개체 틀 3"/>
+          <p:cNvSpPr>
+            <a:spLocks noGrp="1"/>
+          </p:cNvSpPr>
+          <p:nvPr>
+            <p:ph type="sldNum" sz="quarter" idx="10"/>
+          </p:nvPr>
+        </p:nvSpPr>
+        <p:spPr/>
+        <p:txBody>
+          <a:bodyPr/>
+          <a:lstStyle/>
+          <a:p>
+            <a:fld id="{2925679C-3CF1-4175-AC10-4B4E045DB2D3}" type="slidenum">
+              <a:rPr lang="ko-KR" altLang="en-US" smtClean="0"/>
+              <a:pPr/>
+              <a:t>14</a:t>
+            </a:fld>
+            <a:endParaRPr lang="ko-KR" altLang="en-US"/>
+          </a:p>
+        </p:txBody>
+      </p:sp>
+    </p:spTree>
+    <p:extLst>
+      <p:ext uri="{BB962C8B-B14F-4D97-AF65-F5344CB8AC3E}">
+        <p14:creationId xmlns:p14="http://schemas.microsoft.com/office/powerpoint/2010/main" val="468486322"/>
+      </p:ext>
+    </p:extLst>
+  </p:cSld>
+  <p:clrMapOvr>
+    <a:masterClrMapping/>
+  </p:clrMapOvr>
+</p:notes>
+</file>
+
+<file path=ppt/notesSlides/notesSlide7.xml><?xml version="1.0" encoding="utf-8"?>
+<p:notes xmlns:a="http://schemas.openxmlformats.org/drawingml/2006/main" xmlns:r="http://schemas.openxmlformats.org/officeDocument/2006/relationships" xmlns:p="http://schemas.openxmlformats.org/presentationml/2006/main">
+  <p:cSld>
+    <p:spTree>
+      <p:nvGrpSpPr>
+        <p:cNvPr id="1" name=""/>
+        <p:cNvGrpSpPr/>
+        <p:nvPr/>
+      </p:nvGrpSpPr>
+      <p:grpSpPr>
+        <a:xfrm>
+          <a:off x="0" y="0"/>
+          <a:ext cx="0" cy="0"/>
+          <a:chOff x="0" y="0"/>
+          <a:chExt cx="0" cy="0"/>
+        </a:xfrm>
+      </p:grpSpPr>
+      <p:sp>
+        <p:nvSpPr>
+          <p:cNvPr id="2" name="슬라이드 이미지 개체 틀 1"/>
+          <p:cNvSpPr>
+            <a:spLocks noGrp="1" noRot="1" noChangeAspect="1"/>
+          </p:cNvSpPr>
+          <p:nvPr>
+            <p:ph type="sldImg"/>
+          </p:nvPr>
+        </p:nvSpPr>
+        <p:spPr/>
+      </p:sp>
+      <p:sp>
+        <p:nvSpPr>
+          <p:cNvPr id="3" name="슬라이드 노트 개체 틀 2"/>
+          <p:cNvSpPr>
+            <a:spLocks noGrp="1"/>
+          </p:cNvSpPr>
+          <p:nvPr>
+            <p:ph type="body" idx="1"/>
+          </p:nvPr>
+        </p:nvSpPr>
+        <p:spPr/>
+        <p:txBody>
+          <a:bodyPr/>
+          <a:lstStyle/>
+          <a:p>
+            <a:endParaRPr lang="ko-KR" altLang="en-US" dirty="0"/>
+          </a:p>
+        </p:txBody>
+      </p:sp>
+      <p:sp>
+        <p:nvSpPr>
+          <p:cNvPr id="4" name="슬라이드 번호 개체 틀 3"/>
+          <p:cNvSpPr>
+            <a:spLocks noGrp="1"/>
+          </p:cNvSpPr>
+          <p:nvPr>
+            <p:ph type="sldNum" sz="quarter" idx="10"/>
+          </p:nvPr>
+        </p:nvSpPr>
+        <p:spPr/>
+        <p:txBody>
+          <a:bodyPr/>
+          <a:lstStyle/>
+          <a:p>
+            <a:fld id="{2925679C-3CF1-4175-AC10-4B4E045DB2D3}" type="slidenum">
+              <a:rPr lang="ko-KR" altLang="en-US" smtClean="0"/>
+              <a:pPr/>
+              <a:t>15</a:t>
+            </a:fld>
+            <a:endParaRPr lang="ko-KR" altLang="en-US"/>
+          </a:p>
+        </p:txBody>
+      </p:sp>
+    </p:spTree>
+    <p:extLst>
+      <p:ext uri="{BB962C8B-B14F-4D97-AF65-F5344CB8AC3E}">
+        <p14:creationId xmlns:p14="http://schemas.microsoft.com/office/powerpoint/2010/main" val="2526339878"/>
+      </p:ext>
+    </p:extLst>
+  </p:cSld>
+  <p:clrMapOvr>
+    <a:masterClrMapping/>
+  </p:clrMapOvr>
+</p:notes>
+</file>
+
+<file path=ppt/notesSlides/notesSlide8.xml><?xml version="1.0" encoding="utf-8"?>
+<p:notes xmlns:a="http://schemas.openxmlformats.org/drawingml/2006/main" xmlns:r="http://schemas.openxmlformats.org/officeDocument/2006/relationships" xmlns:p="http://schemas.openxmlformats.org/presentationml/2006/main">
+  <p:cSld>
+    <p:spTree>
+      <p:nvGrpSpPr>
+        <p:cNvPr id="1" name=""/>
+        <p:cNvGrpSpPr/>
+        <p:nvPr/>
+      </p:nvGrpSpPr>
+      <p:grpSpPr>
+        <a:xfrm>
+          <a:off x="0" y="0"/>
+          <a:ext cx="0" cy="0"/>
+          <a:chOff x="0" y="0"/>
+          <a:chExt cx="0" cy="0"/>
+        </a:xfrm>
+      </p:grpSpPr>
+      <p:sp>
+        <p:nvSpPr>
+          <p:cNvPr id="2" name="슬라이드 이미지 개체 틀 1"/>
+          <p:cNvSpPr>
+            <a:spLocks noGrp="1" noRot="1" noChangeAspect="1"/>
+          </p:cNvSpPr>
+          <p:nvPr>
+            <p:ph type="sldImg"/>
+          </p:nvPr>
+        </p:nvSpPr>
+        <p:spPr/>
+      </p:sp>
+      <p:sp>
+        <p:nvSpPr>
+          <p:cNvPr id="3" name="슬라이드 노트 개체 틀 2"/>
+          <p:cNvSpPr>
+            <a:spLocks noGrp="1"/>
+          </p:cNvSpPr>
+          <p:nvPr>
+            <p:ph type="body" idx="1"/>
+          </p:nvPr>
+        </p:nvSpPr>
+        <p:spPr/>
+        <p:txBody>
+          <a:bodyPr/>
+          <a:lstStyle/>
+          <a:p>
+            <a:endParaRPr lang="ko-KR" altLang="en-US" dirty="0"/>
+          </a:p>
+        </p:txBody>
+      </p:sp>
+      <p:sp>
+        <p:nvSpPr>
+          <p:cNvPr id="4" name="슬라이드 번호 개체 틀 3"/>
+          <p:cNvSpPr>
+            <a:spLocks noGrp="1"/>
+          </p:cNvSpPr>
+          <p:nvPr>
+            <p:ph type="sldNum" sz="quarter" idx="10"/>
+          </p:nvPr>
+        </p:nvSpPr>
+        <p:spPr/>
+        <p:txBody>
+          <a:bodyPr/>
+          <a:lstStyle/>
+          <a:p>
+            <a:fld id="{2925679C-3CF1-4175-AC10-4B4E045DB2D3}" type="slidenum">
+              <a:rPr lang="ko-KR" altLang="en-US" smtClean="0"/>
+              <a:pPr/>
+              <a:t>16</a:t>
+            </a:fld>
+            <a:endParaRPr lang="ko-KR" altLang="en-US"/>
+          </a:p>
+        </p:txBody>
+      </p:sp>
+    </p:spTree>
+    <p:extLst>
+      <p:ext uri="{BB962C8B-B14F-4D97-AF65-F5344CB8AC3E}">
+        <p14:creationId xmlns:p14="http://schemas.microsoft.com/office/powerpoint/2010/main" val="1837794171"/>
+      </p:ext>
+    </p:extLst>
+  </p:cSld>
+  <p:clrMapOvr>
+    <a:masterClrMapping/>
+  </p:clrMapOvr>
+</p:notes>
+</file>
+
+<file path=ppt/notesSlides/notesSlide9.xml><?xml version="1.0" encoding="utf-8"?>
+<p:notes xmlns:a="http://schemas.openxmlformats.org/drawingml/2006/main" xmlns:r="http://schemas.openxmlformats.org/officeDocument/2006/relationships" xmlns:p="http://schemas.openxmlformats.org/presentationml/2006/main">
+  <p:cSld>
+    <p:spTree>
+      <p:nvGrpSpPr>
+        <p:cNvPr id="1" name=""/>
+        <p:cNvGrpSpPr/>
+        <p:nvPr/>
+      </p:nvGrpSpPr>
+      <p:grpSpPr>
+        <a:xfrm>
+          <a:off x="0" y="0"/>
+          <a:ext cx="0" cy="0"/>
+          <a:chOff x="0" y="0"/>
+          <a:chExt cx="0" cy="0"/>
+        </a:xfrm>
+      </p:grpSpPr>
+      <p:sp>
+        <p:nvSpPr>
+          <p:cNvPr id="2" name="슬라이드 이미지 개체 틀 1"/>
+          <p:cNvSpPr>
+            <a:spLocks noGrp="1" noRot="1" noChangeAspect="1"/>
+          </p:cNvSpPr>
+          <p:nvPr>
+            <p:ph type="sldImg"/>
+          </p:nvPr>
+        </p:nvSpPr>
+        <p:spPr/>
+      </p:sp>
+      <p:sp>
+        <p:nvSpPr>
+          <p:cNvPr id="3" name="슬라이드 노트 개체 틀 2"/>
+          <p:cNvSpPr>
+            <a:spLocks noGrp="1"/>
+          </p:cNvSpPr>
+          <p:nvPr>
+            <p:ph type="body" idx="1"/>
+          </p:nvPr>
+        </p:nvSpPr>
+        <p:spPr/>
+        <p:txBody>
+          <a:bodyPr/>
+          <a:lstStyle/>
+          <a:p>
+            <a:endParaRPr lang="ko-KR" altLang="en-US" dirty="0"/>
+          </a:p>
+        </p:txBody>
+      </p:sp>
+      <p:sp>
+        <p:nvSpPr>
+          <p:cNvPr id="4" name="슬라이드 번호 개체 틀 3"/>
+          <p:cNvSpPr>
+            <a:spLocks noGrp="1"/>
+          </p:cNvSpPr>
+          <p:nvPr>
+            <p:ph type="sldNum" sz="quarter" idx="10"/>
+          </p:nvPr>
+        </p:nvSpPr>
+        <p:spPr/>
+        <p:txBody>
+          <a:bodyPr/>
+          <a:lstStyle/>
+          <a:p>
+            <a:fld id="{2925679C-3CF1-4175-AC10-4B4E045DB2D3}" type="slidenum">
+              <a:rPr lang="ko-KR" altLang="en-US" smtClean="0"/>
+              <a:pPr/>
+              <a:t>17</a:t>
+            </a:fld>
+            <a:endParaRPr lang="ko-KR" altLang="en-US"/>
+          </a:p>
+        </p:txBody>
+      </p:sp>
+    </p:spTree>
+    <p:extLst>
+      <p:ext uri="{BB962C8B-B14F-4D97-AF65-F5344CB8AC3E}">
+        <p14:creationId xmlns:p14="http://schemas.microsoft.com/office/powerpoint/2010/main" val="1311976253"/>
       </p:ext>
     </p:extLst>
   </p:cSld>
@@ -4459,6 +4975,2365 @@
     <p:extLst>
       <p:ext uri="{BB962C8B-B14F-4D97-AF65-F5344CB8AC3E}">
         <p14:creationId xmlns:p14="http://schemas.microsoft.com/office/powerpoint/2010/main" val="2498586411"/>
+      </p:ext>
+    </p:extLst>
+  </p:cSld>
+  <p:clrMapOvr>
+    <a:masterClrMapping/>
+  </p:clrMapOvr>
+  <p:timing>
+    <p:tnLst>
+      <p:par>
+        <p:cTn id="1" dur="indefinite" restart="never" nodeType="tmRoot"/>
+      </p:par>
+    </p:tnLst>
+  </p:timing>
+</p:sld>
+</file>
+
+<file path=ppt/slides/slide13.xml><?xml version="1.0" encoding="utf-8"?>
+<p:sld xmlns:a="http://schemas.openxmlformats.org/drawingml/2006/main" xmlns:r="http://schemas.openxmlformats.org/officeDocument/2006/relationships" xmlns:p="http://schemas.openxmlformats.org/presentationml/2006/main">
+  <p:cSld>
+    <p:spTree>
+      <p:nvGrpSpPr>
+        <p:cNvPr id="1" name=""/>
+        <p:cNvGrpSpPr/>
+        <p:nvPr/>
+      </p:nvGrpSpPr>
+      <p:grpSpPr>
+        <a:xfrm>
+          <a:off x="0" y="0"/>
+          <a:ext cx="0" cy="0"/>
+          <a:chOff x="0" y="0"/>
+          <a:chExt cx="0" cy="0"/>
+        </a:xfrm>
+      </p:grpSpPr>
+      <p:sp>
+        <p:nvSpPr>
+          <p:cNvPr id="3" name="TextBox 2"/>
+          <p:cNvSpPr txBox="1"/>
+          <p:nvPr/>
+        </p:nvSpPr>
+        <p:spPr>
+          <a:xfrm>
+            <a:off x="548640" y="470346"/>
+            <a:ext cx="8055807" cy="461665"/>
+          </a:xfrm>
+          <a:prstGeom prst="rect">
+            <a:avLst/>
+          </a:prstGeom>
+          <a:noFill/>
+        </p:spPr>
+        <p:txBody>
+          <a:bodyPr wrap="square" rtlCol="0">
+            <a:spAutoFit/>
+          </a:bodyPr>
+          <a:lstStyle/>
+          <a:p>
+            <a:r>
+              <a:rPr lang="en-US" altLang="ko-KR" sz="2400" dirty="0" smtClean="0">
+                <a:latin typeface="HY헤드라인M" pitchFamily="18" charset="-127"/>
+                <a:ea typeface="HY헤드라인M" pitchFamily="18" charset="-127"/>
+              </a:rPr>
+              <a:t>Helmet</a:t>
+            </a:r>
+            <a:endParaRPr lang="ko-KR" altLang="en-US" sz="2400" dirty="0">
+              <a:latin typeface="HY헤드라인M" pitchFamily="18" charset="-127"/>
+              <a:ea typeface="HY헤드라인M" pitchFamily="18" charset="-127"/>
+            </a:endParaRPr>
+          </a:p>
+        </p:txBody>
+      </p:sp>
+      <p:pic>
+        <p:nvPicPr>
+          <p:cNvPr id="2" name="그림 1"/>
+          <p:cNvPicPr>
+            <a:picLocks noChangeAspect="1"/>
+          </p:cNvPicPr>
+          <p:nvPr/>
+        </p:nvPicPr>
+        <p:blipFill>
+          <a:blip r:embed="rId3" cstate="print">
+            <a:extLst>
+              <a:ext uri="{28A0092B-C50C-407E-A947-70E740481C1C}">
+                <a14:useLocalDpi xmlns:a14="http://schemas.microsoft.com/office/drawing/2010/main" val="0"/>
+              </a:ext>
+            </a:extLst>
+          </a:blip>
+          <a:stretch>
+            <a:fillRect/>
+          </a:stretch>
+        </p:blipFill>
+        <p:spPr>
+          <a:xfrm>
+            <a:off x="7596744" y="2925352"/>
+            <a:ext cx="71600" cy="71600"/>
+          </a:xfrm>
+          <a:prstGeom prst="rect">
+            <a:avLst/>
+          </a:prstGeom>
+        </p:spPr>
+      </p:pic>
+      <p:sp>
+        <p:nvSpPr>
+          <p:cNvPr id="5" name="모서리가 둥근 직사각형 4"/>
+          <p:cNvSpPr/>
+          <p:nvPr/>
+        </p:nvSpPr>
+        <p:spPr>
+          <a:xfrm>
+            <a:off x="439982" y="1251508"/>
+            <a:ext cx="8164465" cy="5345844"/>
+          </a:xfrm>
+          <a:prstGeom prst="roundRect">
+            <a:avLst>
+              <a:gd name="adj" fmla="val 8134"/>
+            </a:avLst>
+          </a:prstGeom>
+          <a:ln/>
+        </p:spPr>
+        <p:style>
+          <a:lnRef idx="2">
+            <a:schemeClr val="accent1"/>
+          </a:lnRef>
+          <a:fillRef idx="1">
+            <a:schemeClr val="lt1"/>
+          </a:fillRef>
+          <a:effectRef idx="0">
+            <a:schemeClr val="accent1"/>
+          </a:effectRef>
+          <a:fontRef idx="minor">
+            <a:schemeClr val="dk1"/>
+          </a:fontRef>
+        </p:style>
+        <p:txBody>
+          <a:bodyPr rtlCol="0" anchor="t"/>
+          <a:lstStyle/>
+          <a:p>
+            <a:pPr marL="285750" indent="-285750">
+              <a:lnSpc>
+                <a:spcPct val="150000"/>
+              </a:lnSpc>
+              <a:buFont typeface="Wingdings" panose="05000000000000000000" pitchFamily="2" charset="2"/>
+              <a:buChar char="Ø"/>
+            </a:pPr>
+            <a:r>
+              <a:rPr lang="ko-KR" altLang="en-US" sz="2000" dirty="0" smtClean="0">
+                <a:solidFill>
+                  <a:srgbClr val="0000FF"/>
+                </a:solidFill>
+                <a:latin typeface="+mn-ea"/>
+              </a:rPr>
+              <a:t>정의</a:t>
+            </a:r>
+            <a:endParaRPr lang="en-US" altLang="ko-KR" sz="2000" dirty="0" smtClean="0">
+              <a:solidFill>
+                <a:srgbClr val="0000FF"/>
+              </a:solidFill>
+              <a:latin typeface="+mn-ea"/>
+            </a:endParaRPr>
+          </a:p>
+          <a:p>
+            <a:pPr marL="742950" lvl="1" indent="-285750" latinLnBrk="0">
+              <a:lnSpc>
+                <a:spcPct val="150000"/>
+              </a:lnSpc>
+              <a:buFont typeface="Arial" panose="020B0604020202020204" pitchFamily="34" charset="0"/>
+              <a:buChar char="•"/>
+            </a:pPr>
+            <a:r>
+              <a:rPr lang="en-US" altLang="ko-KR" sz="1400" dirty="0"/>
+              <a:t>Express </a:t>
+            </a:r>
+            <a:r>
+              <a:rPr lang="ko-KR" altLang="en-US" sz="1400" dirty="0"/>
+              <a:t>사용시 </a:t>
+            </a:r>
+            <a:r>
+              <a:rPr lang="en-US" altLang="ko-KR" sz="1400" dirty="0"/>
+              <a:t>Http </a:t>
+            </a:r>
+            <a:r>
+              <a:rPr lang="ko-KR" altLang="en-US" sz="1400" dirty="0"/>
+              <a:t>헤더 설정을 자동으로 바꾸어 웹 </a:t>
+            </a:r>
+            <a:r>
+              <a:rPr lang="ko-KR" altLang="en-US" sz="1400" dirty="0" smtClean="0"/>
+              <a:t>취약성으로 부터 </a:t>
+            </a:r>
+            <a:r>
+              <a:rPr lang="ko-KR" altLang="en-US" sz="1400" dirty="0"/>
+              <a:t>서버를 보호해주는 보안 모듈입니다</a:t>
+            </a:r>
+            <a:r>
+              <a:rPr lang="en-US" altLang="ko-KR" sz="1400" dirty="0" smtClean="0"/>
+              <a:t>.</a:t>
+            </a:r>
+          </a:p>
+          <a:p>
+            <a:pPr marL="742950" lvl="1" indent="-285750" latinLnBrk="0">
+              <a:lnSpc>
+                <a:spcPct val="150000"/>
+              </a:lnSpc>
+              <a:buFont typeface="Arial" panose="020B0604020202020204" pitchFamily="34" charset="0"/>
+              <a:buChar char="•"/>
+            </a:pPr>
+            <a:endParaRPr lang="en-US" altLang="ko-KR" sz="1400" dirty="0"/>
+          </a:p>
+          <a:p>
+            <a:pPr marL="285750" indent="-285750">
+              <a:lnSpc>
+                <a:spcPct val="150000"/>
+              </a:lnSpc>
+              <a:buFont typeface="Wingdings" panose="05000000000000000000" pitchFamily="2" charset="2"/>
+              <a:buChar char="Ø"/>
+            </a:pPr>
+            <a:r>
+              <a:rPr lang="ko-KR" altLang="en-US" sz="2000" dirty="0" smtClean="0">
+                <a:solidFill>
+                  <a:srgbClr val="0000FF"/>
+                </a:solidFill>
+                <a:latin typeface="+mn-ea"/>
+              </a:rPr>
+              <a:t>설치</a:t>
+            </a:r>
+            <a:endParaRPr lang="en-US" altLang="ko-KR" sz="2000" dirty="0" smtClean="0">
+              <a:solidFill>
+                <a:srgbClr val="0000FF"/>
+              </a:solidFill>
+              <a:latin typeface="+mn-ea"/>
+            </a:endParaRPr>
+          </a:p>
+          <a:p>
+            <a:pPr marL="742950" lvl="1" indent="-285750" latinLnBrk="0">
+              <a:lnSpc>
+                <a:spcPct val="150000"/>
+              </a:lnSpc>
+              <a:buFont typeface="Arial" panose="020B0604020202020204" pitchFamily="34" charset="0"/>
+              <a:buChar char="•"/>
+            </a:pPr>
+            <a:r>
+              <a:rPr lang="en-US" altLang="ko-KR" sz="1400" dirty="0" err="1"/>
+              <a:t>npm</a:t>
+            </a:r>
+            <a:r>
+              <a:rPr lang="en-US" altLang="ko-KR" sz="1400" dirty="0"/>
+              <a:t> install helmet --</a:t>
+            </a:r>
+            <a:r>
+              <a:rPr lang="en-US" altLang="ko-KR" sz="1400" dirty="0" smtClean="0"/>
+              <a:t>save</a:t>
+            </a:r>
+          </a:p>
+          <a:p>
+            <a:pPr marL="742950" lvl="1" indent="-285750" latinLnBrk="0">
+              <a:lnSpc>
+                <a:spcPct val="150000"/>
+              </a:lnSpc>
+              <a:buFont typeface="Arial" panose="020B0604020202020204" pitchFamily="34" charset="0"/>
+              <a:buChar char="•"/>
+            </a:pPr>
+            <a:r>
+              <a:rPr lang="en-US" altLang="ko-KR" sz="1400" dirty="0" err="1"/>
+              <a:t>const</a:t>
+            </a:r>
+            <a:r>
+              <a:rPr lang="en-US" altLang="ko-KR" sz="1400" dirty="0"/>
+              <a:t> helmet = require('helmet');</a:t>
+            </a:r>
+          </a:p>
+          <a:p>
+            <a:pPr marL="742950" lvl="1" indent="-285750" latinLnBrk="0">
+              <a:lnSpc>
+                <a:spcPct val="150000"/>
+              </a:lnSpc>
+              <a:buFont typeface="Arial" panose="020B0604020202020204" pitchFamily="34" charset="0"/>
+              <a:buChar char="•"/>
+            </a:pPr>
+            <a:r>
+              <a:rPr lang="en-US" altLang="ko-KR" sz="1400" dirty="0" err="1" smtClean="0"/>
+              <a:t>app.use</a:t>
+            </a:r>
+            <a:r>
+              <a:rPr lang="en-US" altLang="ko-KR" sz="1400" dirty="0" smtClean="0"/>
+              <a:t>(</a:t>
+            </a:r>
+            <a:r>
+              <a:rPr lang="en-US" altLang="ko-KR" sz="1400" dirty="0" err="1" smtClean="0"/>
+              <a:t>helment</a:t>
+            </a:r>
+            <a:r>
+              <a:rPr lang="en-US" altLang="ko-KR" sz="1400" dirty="0" smtClean="0"/>
+              <a:t>());</a:t>
+            </a:r>
+            <a:endParaRPr lang="en-US" altLang="ko-KR" sz="1400" dirty="0"/>
+          </a:p>
+          <a:p>
+            <a:pPr marL="1200150" lvl="2" indent="-285750" latinLnBrk="0">
+              <a:lnSpc>
+                <a:spcPct val="150000"/>
+              </a:lnSpc>
+              <a:buFont typeface="Wingdings" panose="05000000000000000000" pitchFamily="2" charset="2"/>
+              <a:buChar char="ü"/>
+            </a:pPr>
+            <a:r>
+              <a:rPr lang="ko-KR" altLang="en-US" sz="1200" dirty="0">
+                <a:solidFill>
+                  <a:srgbClr val="FF0000"/>
+                </a:solidFill>
+              </a:rPr>
+              <a:t>기본적인 보안만 설정된다</a:t>
+            </a:r>
+            <a:r>
+              <a:rPr lang="en-US" altLang="ko-KR" sz="1200" dirty="0">
+                <a:solidFill>
+                  <a:srgbClr val="FF0000"/>
+                </a:solidFill>
+              </a:rPr>
+              <a:t>. (X-Powered-By </a:t>
+            </a:r>
+            <a:r>
+              <a:rPr lang="ko-KR" altLang="en-US" sz="1200" dirty="0">
+                <a:solidFill>
+                  <a:srgbClr val="FF0000"/>
+                </a:solidFill>
+              </a:rPr>
+              <a:t>제거</a:t>
+            </a:r>
+            <a:r>
+              <a:rPr lang="en-US" altLang="ko-KR" sz="1200" dirty="0" smtClean="0">
+                <a:solidFill>
+                  <a:srgbClr val="FF0000"/>
+                </a:solidFill>
+              </a:rPr>
+              <a:t>)</a:t>
+            </a:r>
+            <a:endParaRPr kumimoji="0" lang="en-US" altLang="ko-KR" sz="1400" dirty="0" smtClean="0">
+              <a:solidFill>
+                <a:srgbClr val="FF0000"/>
+              </a:solidFill>
+              <a:latin typeface="+mn-ea"/>
+            </a:endParaRPr>
+          </a:p>
+          <a:p>
+            <a:pPr marL="800100" lvl="1" indent="-342900">
+              <a:buFont typeface="Arial" panose="020B0604020202020204" pitchFamily="34" charset="0"/>
+              <a:buChar char="•"/>
+            </a:pPr>
+            <a:endParaRPr kumimoji="0" lang="en-US" altLang="ko-KR" sz="1600" dirty="0" smtClean="0">
+              <a:solidFill>
+                <a:schemeClr val="tx1"/>
+              </a:solidFill>
+              <a:latin typeface="+mn-ea"/>
+            </a:endParaRPr>
+          </a:p>
+          <a:p>
+            <a:pPr lvl="1"/>
+            <a:endParaRPr kumimoji="0" lang="en-US" altLang="ko-KR" sz="1000" dirty="0" smtClean="0">
+              <a:solidFill>
+                <a:schemeClr val="tx1"/>
+              </a:solidFill>
+              <a:latin typeface="+mn-ea"/>
+            </a:endParaRPr>
+          </a:p>
+          <a:p>
+            <a:pPr marL="800100" lvl="1" indent="-342900">
+              <a:buFont typeface="Arial" panose="020B0604020202020204" pitchFamily="34" charset="0"/>
+              <a:buChar char="•"/>
+            </a:pPr>
+            <a:endParaRPr kumimoji="0" lang="en-US" altLang="ko-KR" sz="1000" dirty="0" smtClean="0">
+              <a:solidFill>
+                <a:schemeClr val="tx1"/>
+              </a:solidFill>
+              <a:latin typeface="+mn-ea"/>
+            </a:endParaRPr>
+          </a:p>
+        </p:txBody>
+      </p:sp>
+    </p:spTree>
+    <p:extLst>
+      <p:ext uri="{BB962C8B-B14F-4D97-AF65-F5344CB8AC3E}">
+        <p14:creationId xmlns:p14="http://schemas.microsoft.com/office/powerpoint/2010/main" val="24150752"/>
+      </p:ext>
+    </p:extLst>
+  </p:cSld>
+  <p:clrMapOvr>
+    <a:masterClrMapping/>
+  </p:clrMapOvr>
+  <p:timing>
+    <p:tnLst>
+      <p:par>
+        <p:cTn id="1" dur="indefinite" restart="never" nodeType="tmRoot"/>
+      </p:par>
+    </p:tnLst>
+  </p:timing>
+</p:sld>
+</file>
+
+<file path=ppt/slides/slide14.xml><?xml version="1.0" encoding="utf-8"?>
+<p:sld xmlns:a="http://schemas.openxmlformats.org/drawingml/2006/main" xmlns:r="http://schemas.openxmlformats.org/officeDocument/2006/relationships" xmlns:p="http://schemas.openxmlformats.org/presentationml/2006/main">
+  <p:cSld>
+    <p:spTree>
+      <p:nvGrpSpPr>
+        <p:cNvPr id="1" name=""/>
+        <p:cNvGrpSpPr/>
+        <p:nvPr/>
+      </p:nvGrpSpPr>
+      <p:grpSpPr>
+        <a:xfrm>
+          <a:off x="0" y="0"/>
+          <a:ext cx="0" cy="0"/>
+          <a:chOff x="0" y="0"/>
+          <a:chExt cx="0" cy="0"/>
+        </a:xfrm>
+      </p:grpSpPr>
+      <p:sp>
+        <p:nvSpPr>
+          <p:cNvPr id="3" name="TextBox 2"/>
+          <p:cNvSpPr txBox="1"/>
+          <p:nvPr/>
+        </p:nvSpPr>
+        <p:spPr>
+          <a:xfrm>
+            <a:off x="548640" y="470346"/>
+            <a:ext cx="8055807" cy="461665"/>
+          </a:xfrm>
+          <a:prstGeom prst="rect">
+            <a:avLst/>
+          </a:prstGeom>
+          <a:noFill/>
+        </p:spPr>
+        <p:txBody>
+          <a:bodyPr wrap="square" rtlCol="0">
+            <a:spAutoFit/>
+          </a:bodyPr>
+          <a:lstStyle/>
+          <a:p>
+            <a:r>
+              <a:rPr lang="en-US" altLang="ko-KR" sz="2400" dirty="0" smtClean="0">
+                <a:latin typeface="HY헤드라인M" pitchFamily="18" charset="-127"/>
+                <a:ea typeface="HY헤드라인M" pitchFamily="18" charset="-127"/>
+              </a:rPr>
+              <a:t>Helmet</a:t>
+            </a:r>
+            <a:endParaRPr lang="ko-KR" altLang="en-US" sz="2400" dirty="0">
+              <a:latin typeface="HY헤드라인M" pitchFamily="18" charset="-127"/>
+              <a:ea typeface="HY헤드라인M" pitchFamily="18" charset="-127"/>
+            </a:endParaRPr>
+          </a:p>
+        </p:txBody>
+      </p:sp>
+      <p:pic>
+        <p:nvPicPr>
+          <p:cNvPr id="2" name="그림 1"/>
+          <p:cNvPicPr>
+            <a:picLocks noChangeAspect="1"/>
+          </p:cNvPicPr>
+          <p:nvPr/>
+        </p:nvPicPr>
+        <p:blipFill>
+          <a:blip r:embed="rId3" cstate="print">
+            <a:extLst>
+              <a:ext uri="{28A0092B-C50C-407E-A947-70E740481C1C}">
+                <a14:useLocalDpi xmlns:a14="http://schemas.microsoft.com/office/drawing/2010/main" val="0"/>
+              </a:ext>
+            </a:extLst>
+          </a:blip>
+          <a:stretch>
+            <a:fillRect/>
+          </a:stretch>
+        </p:blipFill>
+        <p:spPr>
+          <a:xfrm>
+            <a:off x="7596744" y="2925352"/>
+            <a:ext cx="71600" cy="71600"/>
+          </a:xfrm>
+          <a:prstGeom prst="rect">
+            <a:avLst/>
+          </a:prstGeom>
+        </p:spPr>
+      </p:pic>
+      <p:sp>
+        <p:nvSpPr>
+          <p:cNvPr id="5" name="모서리가 둥근 직사각형 4"/>
+          <p:cNvSpPr/>
+          <p:nvPr/>
+        </p:nvSpPr>
+        <p:spPr>
+          <a:xfrm>
+            <a:off x="439982" y="1251508"/>
+            <a:ext cx="8164465" cy="5345844"/>
+          </a:xfrm>
+          <a:prstGeom prst="roundRect">
+            <a:avLst>
+              <a:gd name="adj" fmla="val 8134"/>
+            </a:avLst>
+          </a:prstGeom>
+          <a:ln/>
+        </p:spPr>
+        <p:style>
+          <a:lnRef idx="2">
+            <a:schemeClr val="accent1"/>
+          </a:lnRef>
+          <a:fillRef idx="1">
+            <a:schemeClr val="lt1"/>
+          </a:fillRef>
+          <a:effectRef idx="0">
+            <a:schemeClr val="accent1"/>
+          </a:effectRef>
+          <a:fontRef idx="minor">
+            <a:schemeClr val="dk1"/>
+          </a:fontRef>
+        </p:style>
+        <p:txBody>
+          <a:bodyPr rtlCol="0" anchor="t"/>
+          <a:lstStyle/>
+          <a:p>
+            <a:pPr marL="285750" indent="-285750">
+              <a:lnSpc>
+                <a:spcPct val="150000"/>
+              </a:lnSpc>
+              <a:buFont typeface="Wingdings" panose="05000000000000000000" pitchFamily="2" charset="2"/>
+              <a:buChar char="Ø"/>
+            </a:pPr>
+            <a:r>
+              <a:rPr lang="en-US" altLang="ko-KR" sz="2000" dirty="0" smtClean="0">
+                <a:solidFill>
+                  <a:srgbClr val="0000FF"/>
+                </a:solidFill>
+                <a:latin typeface="+mn-ea"/>
+              </a:rPr>
+              <a:t>CSP</a:t>
+            </a:r>
+            <a:endParaRPr lang="en-US" altLang="ko-KR" sz="2000" dirty="0">
+              <a:solidFill>
+                <a:srgbClr val="0000FF"/>
+              </a:solidFill>
+              <a:latin typeface="+mn-ea"/>
+            </a:endParaRPr>
+          </a:p>
+          <a:p>
+            <a:pPr marL="742950" lvl="1" indent="-285750" latinLnBrk="0">
+              <a:lnSpc>
+                <a:spcPct val="150000"/>
+              </a:lnSpc>
+              <a:buFont typeface="Arial" panose="020B0604020202020204" pitchFamily="34" charset="0"/>
+              <a:buChar char="•"/>
+            </a:pPr>
+            <a:r>
+              <a:rPr lang="en-US" altLang="ko-KR" sz="1400" dirty="0" err="1"/>
+              <a:t>csp</a:t>
+            </a:r>
+            <a:r>
+              <a:rPr lang="ko-KR" altLang="en-US" sz="1400" dirty="0"/>
+              <a:t>는 </a:t>
+            </a:r>
+            <a:r>
+              <a:rPr lang="en-US" altLang="ko-KR" sz="1400" dirty="0"/>
+              <a:t>Content-Security-Policy</a:t>
+            </a:r>
+            <a:r>
+              <a:rPr lang="ko-KR" altLang="en-US" sz="1400" dirty="0"/>
+              <a:t>이다</a:t>
+            </a:r>
+            <a:r>
+              <a:rPr lang="en-US" altLang="ko-KR" sz="1400" dirty="0"/>
+              <a:t>. </a:t>
+            </a:r>
+            <a:endParaRPr lang="en-US" altLang="ko-KR" sz="1400" dirty="0" smtClean="0"/>
+          </a:p>
+          <a:p>
+            <a:pPr marL="742950" lvl="1" indent="-285750" latinLnBrk="0">
+              <a:lnSpc>
+                <a:spcPct val="150000"/>
+              </a:lnSpc>
+              <a:buFont typeface="Arial" panose="020B0604020202020204" pitchFamily="34" charset="0"/>
+              <a:buChar char="•"/>
+            </a:pPr>
+            <a:r>
+              <a:rPr lang="ko-KR" altLang="en-US" sz="1400" dirty="0" smtClean="0"/>
+              <a:t>브라우저에서 </a:t>
+            </a:r>
+            <a:r>
+              <a:rPr lang="ko-KR" altLang="en-US" sz="1400" dirty="0"/>
+              <a:t>사용하는 컨텐츠 기반의 보안 정책으로 </a:t>
+            </a:r>
+            <a:r>
+              <a:rPr lang="en-US" altLang="ko-KR" sz="1400" dirty="0"/>
+              <a:t>XSS</a:t>
+            </a:r>
+            <a:r>
+              <a:rPr lang="ko-KR" altLang="en-US" sz="1400" dirty="0"/>
+              <a:t>나 </a:t>
+            </a:r>
+            <a:r>
+              <a:rPr lang="en-US" altLang="ko-KR" sz="1400" dirty="0"/>
+              <a:t>Data Injection, Click Jacking </a:t>
+            </a:r>
+            <a:r>
+              <a:rPr lang="ko-KR" altLang="en-US" sz="1400" dirty="0"/>
+              <a:t>등 웹 페이지에 악성 스크립트를 삽입하는 공격기법들을 막기 위해 사용된다</a:t>
+            </a:r>
+            <a:r>
+              <a:rPr lang="en-US" altLang="ko-KR" sz="1400" dirty="0" smtClean="0"/>
+              <a:t>.</a:t>
+            </a:r>
+            <a:endParaRPr lang="en-US" altLang="ko-KR" sz="1400" dirty="0"/>
+          </a:p>
+          <a:p>
+            <a:pPr marL="742950" lvl="1" indent="-285750" latinLnBrk="0">
+              <a:lnSpc>
+                <a:spcPct val="150000"/>
+              </a:lnSpc>
+              <a:buFont typeface="Arial" panose="020B0604020202020204" pitchFamily="34" charset="0"/>
+              <a:buChar char="•"/>
+            </a:pPr>
+            <a:endParaRPr lang="en-US" altLang="ko-KR" sz="1600" dirty="0" smtClean="0"/>
+          </a:p>
+          <a:p>
+            <a:pPr marL="285750" indent="-285750">
+              <a:lnSpc>
+                <a:spcPct val="150000"/>
+              </a:lnSpc>
+              <a:buFont typeface="Wingdings" panose="05000000000000000000" pitchFamily="2" charset="2"/>
+              <a:buChar char="Ø"/>
+            </a:pPr>
+            <a:r>
+              <a:rPr lang="en-US" altLang="ko-KR" sz="2000" dirty="0" err="1">
+                <a:solidFill>
+                  <a:srgbClr val="0000FF"/>
+                </a:solidFill>
+                <a:latin typeface="+mn-ea"/>
+              </a:rPr>
+              <a:t>hidePoweredBy</a:t>
+            </a:r>
+            <a:endParaRPr lang="en-US" altLang="ko-KR" sz="2000" dirty="0">
+              <a:solidFill>
+                <a:srgbClr val="0000FF"/>
+              </a:solidFill>
+              <a:latin typeface="+mn-ea"/>
+            </a:endParaRPr>
+          </a:p>
+          <a:p>
+            <a:pPr marL="742950" lvl="1" indent="-285750" latinLnBrk="0">
+              <a:lnSpc>
+                <a:spcPct val="150000"/>
+              </a:lnSpc>
+              <a:buFont typeface="Arial" panose="020B0604020202020204" pitchFamily="34" charset="0"/>
+              <a:buChar char="•"/>
+            </a:pPr>
+            <a:r>
+              <a:rPr lang="ko-KR" altLang="en-US" sz="1400" dirty="0" smtClean="0"/>
+              <a:t>응답 헤더에서 </a:t>
+            </a:r>
+            <a:r>
+              <a:rPr lang="en-US" altLang="ko-KR" sz="1400" dirty="0"/>
+              <a:t>X-Powered-By</a:t>
+            </a:r>
+            <a:r>
+              <a:rPr lang="ko-KR" altLang="en-US" sz="1400" dirty="0"/>
+              <a:t>를 </a:t>
+            </a:r>
+            <a:r>
+              <a:rPr lang="ko-KR" altLang="en-US" sz="1400" dirty="0" smtClean="0"/>
+              <a:t>제거한다</a:t>
+            </a:r>
+            <a:r>
+              <a:rPr lang="en-US" altLang="ko-KR" sz="1400" dirty="0" smtClean="0"/>
+              <a:t>.</a:t>
+            </a:r>
+          </a:p>
+          <a:p>
+            <a:pPr marL="742950" lvl="1" indent="-285750" latinLnBrk="0">
+              <a:lnSpc>
+                <a:spcPct val="150000"/>
+              </a:lnSpc>
+              <a:buFont typeface="Arial" panose="020B0604020202020204" pitchFamily="34" charset="0"/>
+              <a:buChar char="•"/>
+            </a:pPr>
+            <a:r>
+              <a:rPr lang="ko-KR" altLang="en-US" sz="1400" dirty="0" smtClean="0"/>
+              <a:t>이 </a:t>
+            </a:r>
+            <a:r>
+              <a:rPr lang="ko-KR" altLang="en-US" sz="1400" dirty="0"/>
+              <a:t>정보는 악의적으로 활용될 가능성이 높기에 헬멧을 통해서 제거해 주는 것이 좋다</a:t>
+            </a:r>
+            <a:r>
+              <a:rPr lang="en-US" altLang="ko-KR" sz="1400" dirty="0" smtClean="0"/>
+              <a:t>.</a:t>
+            </a:r>
+          </a:p>
+          <a:p>
+            <a:pPr marL="742950" lvl="1" indent="-285750" latinLnBrk="0">
+              <a:lnSpc>
+                <a:spcPct val="150000"/>
+              </a:lnSpc>
+              <a:buFont typeface="Arial" panose="020B0604020202020204" pitchFamily="34" charset="0"/>
+              <a:buChar char="•"/>
+            </a:pPr>
+            <a:endParaRPr lang="en-US" altLang="ko-KR" sz="1400" dirty="0" smtClean="0"/>
+          </a:p>
+          <a:p>
+            <a:pPr marL="285750" indent="-285750">
+              <a:lnSpc>
+                <a:spcPct val="150000"/>
+              </a:lnSpc>
+              <a:buFont typeface="Wingdings" panose="05000000000000000000" pitchFamily="2" charset="2"/>
+              <a:buChar char="Ø"/>
+            </a:pPr>
+            <a:r>
+              <a:rPr lang="en-US" altLang="ko-KR" sz="2000" dirty="0" smtClean="0">
+                <a:solidFill>
+                  <a:srgbClr val="0000FF"/>
+                </a:solidFill>
+                <a:latin typeface="+mn-ea"/>
+              </a:rPr>
+              <a:t>HPKP</a:t>
+            </a:r>
+            <a:endParaRPr lang="en-US" altLang="ko-KR" sz="2000" dirty="0">
+              <a:solidFill>
+                <a:srgbClr val="0000FF"/>
+              </a:solidFill>
+              <a:latin typeface="+mn-ea"/>
+            </a:endParaRPr>
+          </a:p>
+          <a:p>
+            <a:pPr marL="742950" lvl="1" indent="-285750" latinLnBrk="0">
+              <a:lnSpc>
+                <a:spcPct val="150000"/>
+              </a:lnSpc>
+              <a:buFont typeface="Arial" panose="020B0604020202020204" pitchFamily="34" charset="0"/>
+              <a:buChar char="•"/>
+            </a:pPr>
+            <a:r>
+              <a:rPr lang="en-US" altLang="ko-KR" sz="1400" dirty="0"/>
+              <a:t>Public Key Pinning </a:t>
+            </a:r>
+            <a:r>
+              <a:rPr lang="ko-KR" altLang="en-US" sz="1400" dirty="0"/>
+              <a:t>헤더를 추가하여</a:t>
+            </a:r>
+            <a:r>
+              <a:rPr lang="en-US" altLang="ko-KR" sz="1400" dirty="0"/>
+              <a:t>, </a:t>
+            </a:r>
+            <a:r>
+              <a:rPr lang="ko-KR" altLang="en-US" sz="1400" dirty="0"/>
+              <a:t>위조된 인증서를 이용한 중간자 공격 </a:t>
+            </a:r>
+            <a:r>
+              <a:rPr lang="ko-KR" altLang="en-US" sz="1400" dirty="0" smtClean="0"/>
+              <a:t>방지한다</a:t>
+            </a:r>
+            <a:r>
+              <a:rPr lang="en-US" altLang="ko-KR" sz="1400" dirty="0" smtClean="0"/>
+              <a:t>.</a:t>
+            </a:r>
+            <a:endParaRPr kumimoji="0" lang="en-US" altLang="ko-KR" sz="1600" dirty="0" smtClean="0">
+              <a:solidFill>
+                <a:schemeClr val="tx1"/>
+              </a:solidFill>
+              <a:latin typeface="+mn-ea"/>
+            </a:endParaRPr>
+          </a:p>
+          <a:p>
+            <a:pPr lvl="1"/>
+            <a:endParaRPr kumimoji="0" lang="en-US" altLang="ko-KR" sz="1000" dirty="0" smtClean="0">
+              <a:solidFill>
+                <a:schemeClr val="tx1"/>
+              </a:solidFill>
+              <a:latin typeface="+mn-ea"/>
+            </a:endParaRPr>
+          </a:p>
+          <a:p>
+            <a:pPr marL="800100" lvl="1" indent="-342900">
+              <a:buFont typeface="Arial" panose="020B0604020202020204" pitchFamily="34" charset="0"/>
+              <a:buChar char="•"/>
+            </a:pPr>
+            <a:endParaRPr kumimoji="0" lang="en-US" altLang="ko-KR" sz="1000" dirty="0" smtClean="0">
+              <a:solidFill>
+                <a:schemeClr val="tx1"/>
+              </a:solidFill>
+              <a:latin typeface="+mn-ea"/>
+            </a:endParaRPr>
+          </a:p>
+        </p:txBody>
+      </p:sp>
+    </p:spTree>
+    <p:extLst>
+      <p:ext uri="{BB962C8B-B14F-4D97-AF65-F5344CB8AC3E}">
+        <p14:creationId xmlns:p14="http://schemas.microsoft.com/office/powerpoint/2010/main" val="2390924237"/>
+      </p:ext>
+    </p:extLst>
+  </p:cSld>
+  <p:clrMapOvr>
+    <a:masterClrMapping/>
+  </p:clrMapOvr>
+  <p:timing>
+    <p:tnLst>
+      <p:par>
+        <p:cTn id="1" dur="indefinite" restart="never" nodeType="tmRoot"/>
+      </p:par>
+    </p:tnLst>
+  </p:timing>
+</p:sld>
+</file>
+
+<file path=ppt/slides/slide15.xml><?xml version="1.0" encoding="utf-8"?>
+<p:sld xmlns:a="http://schemas.openxmlformats.org/drawingml/2006/main" xmlns:r="http://schemas.openxmlformats.org/officeDocument/2006/relationships" xmlns:p="http://schemas.openxmlformats.org/presentationml/2006/main">
+  <p:cSld>
+    <p:spTree>
+      <p:nvGrpSpPr>
+        <p:cNvPr id="1" name=""/>
+        <p:cNvGrpSpPr/>
+        <p:nvPr/>
+      </p:nvGrpSpPr>
+      <p:grpSpPr>
+        <a:xfrm>
+          <a:off x="0" y="0"/>
+          <a:ext cx="0" cy="0"/>
+          <a:chOff x="0" y="0"/>
+          <a:chExt cx="0" cy="0"/>
+        </a:xfrm>
+      </p:grpSpPr>
+      <p:sp>
+        <p:nvSpPr>
+          <p:cNvPr id="3" name="TextBox 2"/>
+          <p:cNvSpPr txBox="1"/>
+          <p:nvPr/>
+        </p:nvSpPr>
+        <p:spPr>
+          <a:xfrm>
+            <a:off x="548640" y="470346"/>
+            <a:ext cx="8055807" cy="461665"/>
+          </a:xfrm>
+          <a:prstGeom prst="rect">
+            <a:avLst/>
+          </a:prstGeom>
+          <a:noFill/>
+        </p:spPr>
+        <p:txBody>
+          <a:bodyPr wrap="square" rtlCol="0">
+            <a:spAutoFit/>
+          </a:bodyPr>
+          <a:lstStyle/>
+          <a:p>
+            <a:r>
+              <a:rPr lang="en-US" altLang="ko-KR" sz="2400" dirty="0" smtClean="0">
+                <a:latin typeface="HY헤드라인M" pitchFamily="18" charset="-127"/>
+                <a:ea typeface="HY헤드라인M" pitchFamily="18" charset="-127"/>
+              </a:rPr>
+              <a:t>Helmet</a:t>
+            </a:r>
+            <a:endParaRPr lang="ko-KR" altLang="en-US" sz="2400" dirty="0">
+              <a:latin typeface="HY헤드라인M" pitchFamily="18" charset="-127"/>
+              <a:ea typeface="HY헤드라인M" pitchFamily="18" charset="-127"/>
+            </a:endParaRPr>
+          </a:p>
+        </p:txBody>
+      </p:sp>
+      <p:pic>
+        <p:nvPicPr>
+          <p:cNvPr id="2" name="그림 1"/>
+          <p:cNvPicPr>
+            <a:picLocks noChangeAspect="1"/>
+          </p:cNvPicPr>
+          <p:nvPr/>
+        </p:nvPicPr>
+        <p:blipFill>
+          <a:blip r:embed="rId3" cstate="print">
+            <a:extLst>
+              <a:ext uri="{28A0092B-C50C-407E-A947-70E740481C1C}">
+                <a14:useLocalDpi xmlns:a14="http://schemas.microsoft.com/office/drawing/2010/main" val="0"/>
+              </a:ext>
+            </a:extLst>
+          </a:blip>
+          <a:stretch>
+            <a:fillRect/>
+          </a:stretch>
+        </p:blipFill>
+        <p:spPr>
+          <a:xfrm>
+            <a:off x="7596744" y="2925352"/>
+            <a:ext cx="71600" cy="71600"/>
+          </a:xfrm>
+          <a:prstGeom prst="rect">
+            <a:avLst/>
+          </a:prstGeom>
+        </p:spPr>
+      </p:pic>
+      <p:sp>
+        <p:nvSpPr>
+          <p:cNvPr id="5" name="모서리가 둥근 직사각형 4"/>
+          <p:cNvSpPr/>
+          <p:nvPr/>
+        </p:nvSpPr>
+        <p:spPr>
+          <a:xfrm>
+            <a:off x="439982" y="1251508"/>
+            <a:ext cx="8164465" cy="5345844"/>
+          </a:xfrm>
+          <a:prstGeom prst="roundRect">
+            <a:avLst>
+              <a:gd name="adj" fmla="val 8134"/>
+            </a:avLst>
+          </a:prstGeom>
+          <a:ln/>
+        </p:spPr>
+        <p:style>
+          <a:lnRef idx="2">
+            <a:schemeClr val="accent1"/>
+          </a:lnRef>
+          <a:fillRef idx="1">
+            <a:schemeClr val="lt1"/>
+          </a:fillRef>
+          <a:effectRef idx="0">
+            <a:schemeClr val="accent1"/>
+          </a:effectRef>
+          <a:fontRef idx="minor">
+            <a:schemeClr val="dk1"/>
+          </a:fontRef>
+        </p:style>
+        <p:txBody>
+          <a:bodyPr rtlCol="0" anchor="t"/>
+          <a:lstStyle/>
+          <a:p>
+            <a:pPr marL="285750" indent="-285750">
+              <a:lnSpc>
+                <a:spcPct val="150000"/>
+              </a:lnSpc>
+              <a:buFont typeface="Wingdings" panose="05000000000000000000" pitchFamily="2" charset="2"/>
+              <a:buChar char="Ø"/>
+            </a:pPr>
+            <a:r>
+              <a:rPr lang="en-US" altLang="ko-KR" sz="2000" dirty="0" smtClean="0">
+                <a:solidFill>
+                  <a:srgbClr val="0000FF"/>
+                </a:solidFill>
+                <a:latin typeface="+mn-ea"/>
+              </a:rPr>
+              <a:t>HSTS</a:t>
+            </a:r>
+            <a:endParaRPr lang="en-US" altLang="ko-KR" sz="2000" dirty="0">
+              <a:solidFill>
+                <a:srgbClr val="0000FF"/>
+              </a:solidFill>
+              <a:latin typeface="+mn-ea"/>
+            </a:endParaRPr>
+          </a:p>
+          <a:p>
+            <a:pPr marL="742950" lvl="1" indent="-285750" latinLnBrk="0">
+              <a:lnSpc>
+                <a:spcPct val="150000"/>
+              </a:lnSpc>
+              <a:buFont typeface="Arial" panose="020B0604020202020204" pitchFamily="34" charset="0"/>
+              <a:buChar char="•"/>
+            </a:pPr>
+            <a:r>
+              <a:rPr lang="en-US" altLang="ko-KR" sz="1400" dirty="0"/>
+              <a:t>HTTP Strict Transport Security</a:t>
+            </a:r>
+            <a:r>
+              <a:rPr lang="ko-KR" altLang="en-US" sz="1400" dirty="0"/>
+              <a:t>의 약자로 웹 사이트에 접속할 때 강제적으로 </a:t>
+            </a:r>
+            <a:r>
+              <a:rPr lang="en-US" altLang="ko-KR" sz="1400" dirty="0"/>
+              <a:t>HTTPS</a:t>
+            </a:r>
+            <a:r>
+              <a:rPr lang="ko-KR" altLang="en-US" sz="1400" dirty="0"/>
+              <a:t>로 접속하게 강제하는 기능이다</a:t>
+            </a:r>
+            <a:r>
+              <a:rPr lang="en-US" altLang="ko-KR" sz="1400" dirty="0"/>
+              <a:t>. </a:t>
+            </a:r>
+          </a:p>
+          <a:p>
+            <a:pPr marL="742950" lvl="1" indent="-285750" latinLnBrk="0">
+              <a:lnSpc>
+                <a:spcPct val="150000"/>
+              </a:lnSpc>
+              <a:buFont typeface="Arial" panose="020B0604020202020204" pitchFamily="34" charset="0"/>
+              <a:buChar char="•"/>
+            </a:pPr>
+            <a:r>
+              <a:rPr lang="ko-KR" altLang="en-US" sz="1400" dirty="0"/>
+              <a:t>사용자가 특정 사이트에 접속할 때 해당 사이트가 </a:t>
+            </a:r>
+            <a:r>
+              <a:rPr lang="en-US" altLang="ko-KR" sz="1400" dirty="0"/>
+              <a:t>HTTPS</a:t>
+            </a:r>
+            <a:r>
+              <a:rPr lang="ko-KR" altLang="en-US" sz="1400" dirty="0"/>
+              <a:t>를 지원하는지</a:t>
+            </a:r>
+            <a:r>
+              <a:rPr lang="en-US" altLang="ko-KR" sz="1400" dirty="0"/>
+              <a:t>, </a:t>
+            </a:r>
+            <a:r>
+              <a:rPr lang="ko-KR" altLang="en-US" sz="1400" dirty="0"/>
+              <a:t>하지 않는지를 미리 모르는 경우가 대부분이다</a:t>
+            </a:r>
+            <a:r>
+              <a:rPr lang="en-US" altLang="ko-KR" sz="1400" dirty="0"/>
+              <a:t>. </a:t>
+            </a:r>
+            <a:endParaRPr lang="en-US" altLang="ko-KR" sz="1400" dirty="0" smtClean="0"/>
+          </a:p>
+          <a:p>
+            <a:pPr marL="742950" lvl="1" indent="-285750" latinLnBrk="0">
+              <a:lnSpc>
+                <a:spcPct val="150000"/>
+              </a:lnSpc>
+              <a:buFont typeface="Arial" panose="020B0604020202020204" pitchFamily="34" charset="0"/>
+              <a:buChar char="•"/>
+            </a:pPr>
+            <a:r>
+              <a:rPr lang="ko-KR" altLang="en-US" sz="1400" dirty="0" smtClean="0"/>
+              <a:t>그렇기에 </a:t>
+            </a:r>
+            <a:r>
+              <a:rPr lang="ko-KR" altLang="en-US" sz="1400" dirty="0"/>
+              <a:t>브라우저는 디폴트로 </a:t>
+            </a:r>
+            <a:r>
+              <a:rPr lang="en-US" altLang="ko-KR" sz="1400" dirty="0"/>
+              <a:t>HTTP</a:t>
+            </a:r>
+            <a:r>
+              <a:rPr lang="ko-KR" altLang="en-US" sz="1400" dirty="0"/>
+              <a:t>로 먼저 접속을 시도한다</a:t>
+            </a:r>
+            <a:r>
+              <a:rPr lang="en-US" altLang="ko-KR" sz="1400" dirty="0"/>
+              <a:t>. </a:t>
+            </a:r>
+            <a:endParaRPr lang="en-US" altLang="ko-KR" sz="1400" dirty="0" smtClean="0"/>
+          </a:p>
+          <a:p>
+            <a:pPr marL="742950" lvl="1" indent="-285750" latinLnBrk="0">
+              <a:lnSpc>
+                <a:spcPct val="150000"/>
+              </a:lnSpc>
+              <a:buFont typeface="Arial" panose="020B0604020202020204" pitchFamily="34" charset="0"/>
+              <a:buChar char="•"/>
+            </a:pPr>
+            <a:r>
+              <a:rPr lang="ko-KR" altLang="en-US" sz="1400" dirty="0" smtClean="0"/>
+              <a:t>이때 </a:t>
+            </a:r>
+            <a:r>
+              <a:rPr lang="en-US" altLang="ko-KR" sz="1400" dirty="0"/>
+              <a:t>HTTPS</a:t>
+            </a:r>
+            <a:r>
+              <a:rPr lang="ko-KR" altLang="en-US" sz="1400" dirty="0"/>
+              <a:t>로 지원되는 사이트였다면 </a:t>
+            </a:r>
+            <a:r>
+              <a:rPr lang="en-US" altLang="ko-KR" sz="1400" dirty="0" smtClean="0"/>
+              <a:t>301 Redirect</a:t>
+            </a:r>
+            <a:r>
+              <a:rPr lang="ko-KR" altLang="en-US" sz="1400" dirty="0"/>
+              <a:t>나 </a:t>
+            </a:r>
+            <a:r>
+              <a:rPr lang="en-US" altLang="ko-KR" sz="1400" dirty="0"/>
+              <a:t>302 Redirect</a:t>
+            </a:r>
+            <a:r>
+              <a:rPr lang="ko-KR" altLang="en-US" sz="1400" dirty="0"/>
+              <a:t>를 응답하여 </a:t>
+            </a:r>
+            <a:r>
+              <a:rPr lang="en-US" altLang="ko-KR" sz="1400" dirty="0"/>
+              <a:t>HTTPS</a:t>
+            </a:r>
+            <a:r>
+              <a:rPr lang="ko-KR" altLang="en-US" sz="1400" dirty="0"/>
+              <a:t>로 다시 접속하도록 한다</a:t>
+            </a:r>
+            <a:r>
+              <a:rPr lang="en-US" altLang="ko-KR" sz="1400" dirty="0"/>
+              <a:t>.</a:t>
+            </a:r>
+            <a:endParaRPr lang="en-US" altLang="ko-KR" sz="1600" dirty="0" smtClean="0"/>
+          </a:p>
+          <a:p>
+            <a:pPr lvl="1"/>
+            <a:endParaRPr kumimoji="0" lang="en-US" altLang="ko-KR" sz="1000" dirty="0" smtClean="0">
+              <a:solidFill>
+                <a:schemeClr val="tx1"/>
+              </a:solidFill>
+              <a:latin typeface="+mn-ea"/>
+            </a:endParaRPr>
+          </a:p>
+          <a:p>
+            <a:pPr marL="285750" indent="-285750">
+              <a:lnSpc>
+                <a:spcPct val="150000"/>
+              </a:lnSpc>
+              <a:buFont typeface="Wingdings" panose="05000000000000000000" pitchFamily="2" charset="2"/>
+              <a:buChar char="Ø"/>
+            </a:pPr>
+            <a:r>
+              <a:rPr lang="en-US" altLang="ko-KR" sz="2000" dirty="0" err="1" smtClean="0">
+                <a:solidFill>
+                  <a:srgbClr val="0000FF"/>
+                </a:solidFill>
+                <a:latin typeface="+mn-ea"/>
+              </a:rPr>
+              <a:t>leNoOpen</a:t>
+            </a:r>
+            <a:endParaRPr lang="en-US" altLang="ko-KR" sz="2000" dirty="0">
+              <a:solidFill>
+                <a:srgbClr val="0000FF"/>
+              </a:solidFill>
+              <a:latin typeface="+mn-ea"/>
+            </a:endParaRPr>
+          </a:p>
+          <a:p>
+            <a:pPr marL="742950" lvl="1" indent="-285750" latinLnBrk="0">
+              <a:lnSpc>
+                <a:spcPct val="150000"/>
+              </a:lnSpc>
+              <a:buFont typeface="Arial" panose="020B0604020202020204" pitchFamily="34" charset="0"/>
+              <a:buChar char="•"/>
+            </a:pPr>
+            <a:r>
+              <a:rPr lang="en-US" altLang="ko-KR" sz="1400" dirty="0"/>
+              <a:t>IE8 </a:t>
+            </a:r>
+            <a:r>
+              <a:rPr lang="ko-KR" altLang="en-US" sz="1400" dirty="0"/>
+              <a:t>이상에 대해 </a:t>
+            </a:r>
+            <a:r>
+              <a:rPr lang="en-US" altLang="ko-KR" sz="1400" dirty="0"/>
+              <a:t>X-Download-Options</a:t>
+            </a:r>
+            <a:r>
+              <a:rPr lang="ko-KR" altLang="en-US" sz="1400" dirty="0"/>
+              <a:t>를 설정한다</a:t>
+            </a:r>
+            <a:r>
+              <a:rPr lang="en-US" altLang="ko-KR" sz="1400" dirty="0"/>
+              <a:t>. </a:t>
+            </a:r>
+            <a:endParaRPr lang="en-US" altLang="ko-KR" sz="1400" dirty="0" smtClean="0"/>
+          </a:p>
+          <a:p>
+            <a:pPr marL="742950" lvl="1" indent="-285750" latinLnBrk="0">
+              <a:lnSpc>
+                <a:spcPct val="150000"/>
+              </a:lnSpc>
+              <a:buFont typeface="Arial" panose="020B0604020202020204" pitchFamily="34" charset="0"/>
+              <a:buChar char="•"/>
+            </a:pPr>
+            <a:r>
+              <a:rPr lang="ko-KR" altLang="en-US" sz="1400" dirty="0" smtClean="0"/>
+              <a:t>이 </a:t>
+            </a:r>
+            <a:r>
+              <a:rPr lang="ko-KR" altLang="en-US" sz="1400" dirty="0"/>
+              <a:t>옵션은 </a:t>
+            </a:r>
+            <a:r>
+              <a:rPr lang="en-US" altLang="ko-KR" sz="1400" dirty="0"/>
+              <a:t>8 </a:t>
+            </a:r>
+            <a:r>
+              <a:rPr lang="ko-KR" altLang="en-US" sz="1400" dirty="0"/>
+              <a:t>버전 이상의 인터넷 익스플로러에서 </a:t>
+            </a:r>
+            <a:r>
+              <a:rPr lang="ko-KR" altLang="en-US" sz="1400" dirty="0" smtClean="0"/>
+              <a:t>다운로드 된 파일은 </a:t>
+            </a:r>
+            <a:r>
+              <a:rPr lang="ko-KR" altLang="en-US" sz="1400" dirty="0"/>
+              <a:t>바로 </a:t>
+            </a:r>
+            <a:r>
+              <a:rPr lang="ko-KR" altLang="en-US" sz="1400" dirty="0" smtClean="0"/>
+              <a:t>열지 않고 </a:t>
+            </a:r>
+            <a:r>
+              <a:rPr lang="ko-KR" altLang="en-US" sz="1400" dirty="0"/>
+              <a:t>저장부터 하는 옵션이다</a:t>
+            </a:r>
+            <a:r>
+              <a:rPr lang="en-US" altLang="ko-KR" sz="1400" dirty="0"/>
+              <a:t>. </a:t>
+            </a:r>
+            <a:endParaRPr lang="en-US" altLang="ko-KR" sz="1400" dirty="0" smtClean="0"/>
+          </a:p>
+          <a:p>
+            <a:pPr marL="742950" lvl="1" indent="-285750" latinLnBrk="0">
+              <a:lnSpc>
+                <a:spcPct val="150000"/>
+              </a:lnSpc>
+              <a:buFont typeface="Arial" panose="020B0604020202020204" pitchFamily="34" charset="0"/>
+              <a:buChar char="•"/>
+            </a:pPr>
+            <a:r>
+              <a:rPr lang="ko-KR" altLang="en-US" sz="1400" dirty="0" smtClean="0"/>
+              <a:t>저장된 파일은 다른 응용프로그램을 이용해서 열어야 한다</a:t>
+            </a:r>
+            <a:r>
+              <a:rPr lang="en-US" altLang="ko-KR" sz="1400" dirty="0"/>
+              <a:t>.</a:t>
+            </a:r>
+            <a:endParaRPr lang="en-US" altLang="ko-KR" sz="1400" dirty="0" smtClean="0"/>
+          </a:p>
+        </p:txBody>
+      </p:sp>
+    </p:spTree>
+    <p:extLst>
+      <p:ext uri="{BB962C8B-B14F-4D97-AF65-F5344CB8AC3E}">
+        <p14:creationId xmlns:p14="http://schemas.microsoft.com/office/powerpoint/2010/main" val="801663685"/>
+      </p:ext>
+    </p:extLst>
+  </p:cSld>
+  <p:clrMapOvr>
+    <a:masterClrMapping/>
+  </p:clrMapOvr>
+  <p:timing>
+    <p:tnLst>
+      <p:par>
+        <p:cTn id="1" dur="indefinite" restart="never" nodeType="tmRoot"/>
+      </p:par>
+    </p:tnLst>
+  </p:timing>
+</p:sld>
+</file>
+
+<file path=ppt/slides/slide16.xml><?xml version="1.0" encoding="utf-8"?>
+<p:sld xmlns:a="http://schemas.openxmlformats.org/drawingml/2006/main" xmlns:r="http://schemas.openxmlformats.org/officeDocument/2006/relationships" xmlns:p="http://schemas.openxmlformats.org/presentationml/2006/main">
+  <p:cSld>
+    <p:spTree>
+      <p:nvGrpSpPr>
+        <p:cNvPr id="1" name=""/>
+        <p:cNvGrpSpPr/>
+        <p:nvPr/>
+      </p:nvGrpSpPr>
+      <p:grpSpPr>
+        <a:xfrm>
+          <a:off x="0" y="0"/>
+          <a:ext cx="0" cy="0"/>
+          <a:chOff x="0" y="0"/>
+          <a:chExt cx="0" cy="0"/>
+        </a:xfrm>
+      </p:grpSpPr>
+      <p:sp>
+        <p:nvSpPr>
+          <p:cNvPr id="3" name="TextBox 2"/>
+          <p:cNvSpPr txBox="1"/>
+          <p:nvPr/>
+        </p:nvSpPr>
+        <p:spPr>
+          <a:xfrm>
+            <a:off x="548640" y="470346"/>
+            <a:ext cx="8055807" cy="461665"/>
+          </a:xfrm>
+          <a:prstGeom prst="rect">
+            <a:avLst/>
+          </a:prstGeom>
+          <a:noFill/>
+        </p:spPr>
+        <p:txBody>
+          <a:bodyPr wrap="square" rtlCol="0">
+            <a:spAutoFit/>
+          </a:bodyPr>
+          <a:lstStyle/>
+          <a:p>
+            <a:r>
+              <a:rPr lang="en-US" altLang="ko-KR" sz="2400" dirty="0" smtClean="0">
+                <a:latin typeface="HY헤드라인M" pitchFamily="18" charset="-127"/>
+                <a:ea typeface="HY헤드라인M" pitchFamily="18" charset="-127"/>
+              </a:rPr>
+              <a:t>Helmet</a:t>
+            </a:r>
+            <a:endParaRPr lang="ko-KR" altLang="en-US" sz="2400" dirty="0">
+              <a:latin typeface="HY헤드라인M" pitchFamily="18" charset="-127"/>
+              <a:ea typeface="HY헤드라인M" pitchFamily="18" charset="-127"/>
+            </a:endParaRPr>
+          </a:p>
+        </p:txBody>
+      </p:sp>
+      <p:pic>
+        <p:nvPicPr>
+          <p:cNvPr id="2" name="그림 1"/>
+          <p:cNvPicPr>
+            <a:picLocks noChangeAspect="1"/>
+          </p:cNvPicPr>
+          <p:nvPr/>
+        </p:nvPicPr>
+        <p:blipFill>
+          <a:blip r:embed="rId3" cstate="print">
+            <a:extLst>
+              <a:ext uri="{28A0092B-C50C-407E-A947-70E740481C1C}">
+                <a14:useLocalDpi xmlns:a14="http://schemas.microsoft.com/office/drawing/2010/main" val="0"/>
+              </a:ext>
+            </a:extLst>
+          </a:blip>
+          <a:stretch>
+            <a:fillRect/>
+          </a:stretch>
+        </p:blipFill>
+        <p:spPr>
+          <a:xfrm>
+            <a:off x="7596744" y="2925352"/>
+            <a:ext cx="71600" cy="71600"/>
+          </a:xfrm>
+          <a:prstGeom prst="rect">
+            <a:avLst/>
+          </a:prstGeom>
+        </p:spPr>
+      </p:pic>
+      <p:sp>
+        <p:nvSpPr>
+          <p:cNvPr id="5" name="모서리가 둥근 직사각형 4"/>
+          <p:cNvSpPr/>
+          <p:nvPr/>
+        </p:nvSpPr>
+        <p:spPr>
+          <a:xfrm>
+            <a:off x="439982" y="1251508"/>
+            <a:ext cx="8164465" cy="5345844"/>
+          </a:xfrm>
+          <a:prstGeom prst="roundRect">
+            <a:avLst>
+              <a:gd name="adj" fmla="val 8134"/>
+            </a:avLst>
+          </a:prstGeom>
+          <a:ln/>
+        </p:spPr>
+        <p:style>
+          <a:lnRef idx="2">
+            <a:schemeClr val="accent1"/>
+          </a:lnRef>
+          <a:fillRef idx="1">
+            <a:schemeClr val="lt1"/>
+          </a:fillRef>
+          <a:effectRef idx="0">
+            <a:schemeClr val="accent1"/>
+          </a:effectRef>
+          <a:fontRef idx="minor">
+            <a:schemeClr val="dk1"/>
+          </a:fontRef>
+        </p:style>
+        <p:txBody>
+          <a:bodyPr rtlCol="0" anchor="t"/>
+          <a:lstStyle/>
+          <a:p>
+            <a:pPr marL="285750" indent="-285750">
+              <a:lnSpc>
+                <a:spcPct val="150000"/>
+              </a:lnSpc>
+              <a:buFont typeface="Wingdings" panose="05000000000000000000" pitchFamily="2" charset="2"/>
+              <a:buChar char="Ø"/>
+            </a:pPr>
+            <a:r>
+              <a:rPr lang="en-US" altLang="ko-KR" sz="2000" dirty="0" err="1">
+                <a:solidFill>
+                  <a:srgbClr val="0000FF"/>
+                </a:solidFill>
+                <a:latin typeface="+mn-ea"/>
+              </a:rPr>
+              <a:t>noCache</a:t>
+            </a:r>
+            <a:endParaRPr lang="en-US" altLang="ko-KR" sz="2000" dirty="0">
+              <a:solidFill>
+                <a:srgbClr val="0000FF"/>
+              </a:solidFill>
+              <a:latin typeface="+mn-ea"/>
+            </a:endParaRPr>
+          </a:p>
+          <a:p>
+            <a:pPr marL="742950" lvl="1" indent="-285750" latinLnBrk="0">
+              <a:lnSpc>
+                <a:spcPct val="150000"/>
+              </a:lnSpc>
+              <a:buFont typeface="Arial" panose="020B0604020202020204" pitchFamily="34" charset="0"/>
+              <a:buChar char="•"/>
+            </a:pPr>
+            <a:r>
+              <a:rPr lang="en-US" altLang="ko-KR" sz="1400" dirty="0"/>
+              <a:t>Cache-Control </a:t>
+            </a:r>
+            <a:r>
+              <a:rPr lang="ko-KR" altLang="en-US" sz="1400" dirty="0"/>
+              <a:t>및 </a:t>
+            </a:r>
+            <a:r>
+              <a:rPr lang="en-US" altLang="ko-KR" sz="1400" dirty="0"/>
+              <a:t>Pragma </a:t>
+            </a:r>
+            <a:r>
+              <a:rPr lang="ko-KR" altLang="en-US" sz="1400" dirty="0"/>
+              <a:t>헤더를 설정하여 클라이언트 측에서 </a:t>
+            </a:r>
+            <a:r>
+              <a:rPr lang="ko-KR" altLang="en-US" sz="1400" dirty="0" err="1"/>
+              <a:t>캐싱을</a:t>
+            </a:r>
+            <a:r>
+              <a:rPr lang="ko-KR" altLang="en-US" sz="1400" dirty="0"/>
+              <a:t> 사용하지 않도록 하는 설정이다</a:t>
+            </a:r>
+            <a:r>
+              <a:rPr lang="en-US" altLang="ko-KR" sz="1400" dirty="0"/>
+              <a:t>. </a:t>
+            </a:r>
+            <a:endParaRPr lang="en-US" altLang="ko-KR" sz="1400" dirty="0" smtClean="0"/>
+          </a:p>
+          <a:p>
+            <a:pPr marL="742950" lvl="1" indent="-285750" latinLnBrk="0">
+              <a:lnSpc>
+                <a:spcPct val="150000"/>
+              </a:lnSpc>
+              <a:buFont typeface="Arial" panose="020B0604020202020204" pitchFamily="34" charset="0"/>
+              <a:buChar char="•"/>
+            </a:pPr>
+            <a:endParaRPr kumimoji="0" lang="en-US" altLang="ko-KR" sz="1000" dirty="0" smtClean="0">
+              <a:solidFill>
+                <a:schemeClr val="tx1"/>
+              </a:solidFill>
+              <a:latin typeface="+mn-ea"/>
+            </a:endParaRPr>
+          </a:p>
+          <a:p>
+            <a:pPr marL="285750" indent="-285750">
+              <a:lnSpc>
+                <a:spcPct val="150000"/>
+              </a:lnSpc>
+              <a:buFont typeface="Wingdings" panose="05000000000000000000" pitchFamily="2" charset="2"/>
+              <a:buChar char="Ø"/>
+            </a:pPr>
+            <a:r>
+              <a:rPr lang="en-US" altLang="ko-KR" sz="2000" dirty="0" err="1">
+                <a:solidFill>
+                  <a:srgbClr val="0000FF"/>
+                </a:solidFill>
+                <a:latin typeface="+mn-ea"/>
+              </a:rPr>
+              <a:t>noSniff</a:t>
+            </a:r>
+            <a:endParaRPr lang="en-US" altLang="ko-KR" sz="2000" dirty="0">
+              <a:solidFill>
+                <a:srgbClr val="0000FF"/>
+              </a:solidFill>
+              <a:latin typeface="+mn-ea"/>
+            </a:endParaRPr>
+          </a:p>
+          <a:p>
+            <a:pPr marL="742950" lvl="1" indent="-285750" latinLnBrk="0">
+              <a:lnSpc>
+                <a:spcPct val="150000"/>
+              </a:lnSpc>
+              <a:buFont typeface="Arial" panose="020B0604020202020204" pitchFamily="34" charset="0"/>
+              <a:buChar char="•"/>
+            </a:pPr>
+            <a:r>
+              <a:rPr lang="en-US" altLang="ko-KR" sz="1400" dirty="0"/>
+              <a:t>X-Content-Type-Options </a:t>
+            </a:r>
+            <a:r>
+              <a:rPr lang="ko-KR" altLang="en-US" sz="1400" dirty="0"/>
+              <a:t>를 설정하여 선언된 콘텐츠 유형으로부터 벗어난 응답에 대한 브라우저의 </a:t>
+            </a:r>
+            <a:r>
+              <a:rPr lang="en-US" altLang="ko-KR" sz="1400" dirty="0"/>
+              <a:t>MIME </a:t>
+            </a:r>
+            <a:r>
+              <a:rPr lang="ko-KR" altLang="en-US" sz="1400" dirty="0" err="1"/>
+              <a:t>스니핑을</a:t>
+            </a:r>
+            <a:r>
+              <a:rPr lang="ko-KR" altLang="en-US" sz="1400" dirty="0"/>
+              <a:t> 방지한다</a:t>
+            </a:r>
+            <a:r>
+              <a:rPr lang="en-US" altLang="ko-KR" sz="1400" dirty="0"/>
+              <a:t>. </a:t>
+            </a:r>
+            <a:endParaRPr lang="en-US" altLang="ko-KR" sz="1400" dirty="0" smtClean="0"/>
+          </a:p>
+          <a:p>
+            <a:pPr marL="742950" lvl="1" indent="-285750" latinLnBrk="0">
+              <a:lnSpc>
+                <a:spcPct val="150000"/>
+              </a:lnSpc>
+              <a:buFont typeface="Arial" panose="020B0604020202020204" pitchFamily="34" charset="0"/>
+              <a:buChar char="•"/>
+            </a:pPr>
+            <a:r>
+              <a:rPr lang="en-US" altLang="ko-KR" sz="1400" dirty="0" smtClean="0"/>
+              <a:t>MIME</a:t>
+            </a:r>
+            <a:r>
+              <a:rPr lang="ko-KR" altLang="en-US" sz="1400" dirty="0"/>
+              <a:t>이란 </a:t>
+            </a:r>
+            <a:r>
+              <a:rPr lang="en-US" altLang="ko-KR" sz="1400" dirty="0"/>
+              <a:t>Multipurpose Internet Mail Extensions</a:t>
+            </a:r>
+            <a:r>
+              <a:rPr lang="ko-KR" altLang="en-US" sz="1400" dirty="0"/>
+              <a:t>의 약자로 클라이언트에게 전송된 문서의 다양성을 알려주기 위한 포맷이다</a:t>
+            </a:r>
+            <a:r>
+              <a:rPr lang="en-US" altLang="ko-KR" sz="1400" dirty="0"/>
+              <a:t>. </a:t>
+            </a:r>
+            <a:endParaRPr lang="en-US" altLang="ko-KR" sz="1400" dirty="0" smtClean="0"/>
+          </a:p>
+          <a:p>
+            <a:pPr marL="742950" lvl="1" indent="-285750" latinLnBrk="0">
+              <a:lnSpc>
+                <a:spcPct val="150000"/>
+              </a:lnSpc>
+              <a:buFont typeface="Arial" panose="020B0604020202020204" pitchFamily="34" charset="0"/>
+              <a:buChar char="•"/>
+            </a:pPr>
+            <a:r>
+              <a:rPr lang="ko-KR" altLang="en-US" sz="1400" dirty="0" smtClean="0"/>
+              <a:t>브라우저는 </a:t>
+            </a:r>
+            <a:r>
+              <a:rPr lang="ko-KR" altLang="en-US" sz="1400" dirty="0"/>
+              <a:t>리소스를 </a:t>
+            </a:r>
+            <a:r>
+              <a:rPr lang="ko-KR" altLang="en-US" sz="1400" dirty="0" smtClean="0"/>
+              <a:t>내려 받을 </a:t>
+            </a:r>
+            <a:r>
+              <a:rPr lang="ko-KR" altLang="en-US" sz="1400" dirty="0"/>
+              <a:t>때 </a:t>
+            </a:r>
+            <a:r>
+              <a:rPr lang="en-US" altLang="ko-KR" sz="1400" dirty="0"/>
+              <a:t>MIME </a:t>
+            </a:r>
+            <a:r>
+              <a:rPr lang="ko-KR" altLang="en-US" sz="1400" dirty="0"/>
+              <a:t>타입을 보고 </a:t>
+            </a:r>
+            <a:r>
+              <a:rPr lang="ko-KR" altLang="en-US" sz="1400" dirty="0" smtClean="0"/>
+              <a:t>동작하기 때문에 정확하게 설정해야 한다</a:t>
+            </a:r>
+            <a:r>
+              <a:rPr lang="en-US" altLang="ko-KR" sz="1400" dirty="0" smtClean="0"/>
+              <a:t>.</a:t>
+            </a:r>
+          </a:p>
+          <a:p>
+            <a:pPr marL="742950" lvl="1" indent="-285750" latinLnBrk="0">
+              <a:lnSpc>
+                <a:spcPct val="150000"/>
+              </a:lnSpc>
+              <a:buFont typeface="Arial" panose="020B0604020202020204" pitchFamily="34" charset="0"/>
+              <a:buChar char="•"/>
+            </a:pPr>
+            <a:r>
+              <a:rPr lang="en-US" altLang="ko-KR" sz="1400" dirty="0"/>
+              <a:t>MIME </a:t>
+            </a:r>
+            <a:r>
+              <a:rPr lang="ko-KR" altLang="en-US" sz="1400" dirty="0" err="1"/>
+              <a:t>스니핑이란</a:t>
+            </a:r>
+            <a:r>
+              <a:rPr lang="ko-KR" altLang="en-US" sz="1400" dirty="0"/>
+              <a:t> 브라우저가 특정 파일을 읽을 때 파일의 실제 내용과 </a:t>
+            </a:r>
+            <a:r>
+              <a:rPr lang="en-US" altLang="ko-KR" sz="1400" dirty="0"/>
+              <a:t>Content-Type</a:t>
+            </a:r>
+            <a:r>
+              <a:rPr lang="ko-KR" altLang="en-US" sz="1400" dirty="0"/>
+              <a:t>에 설정된 내용이 다르면 파일로 부터 형식을 추측하여 실행하는 것인데</a:t>
+            </a:r>
+            <a:r>
+              <a:rPr lang="en-US" altLang="ko-KR" sz="1400" dirty="0"/>
+              <a:t>, </a:t>
+            </a:r>
+            <a:r>
+              <a:rPr lang="ko-KR" altLang="en-US" sz="1400" dirty="0"/>
+              <a:t>편리함을 위한 기능이지만 공격자에게 악용 될 가능성이 있다</a:t>
+            </a:r>
+            <a:r>
+              <a:rPr lang="en-US" altLang="ko-KR" sz="1400" dirty="0"/>
+              <a:t>.</a:t>
+            </a:r>
+            <a:endParaRPr lang="en-US" altLang="ko-KR" sz="1400" dirty="0" smtClean="0"/>
+          </a:p>
+        </p:txBody>
+      </p:sp>
+    </p:spTree>
+    <p:extLst>
+      <p:ext uri="{BB962C8B-B14F-4D97-AF65-F5344CB8AC3E}">
+        <p14:creationId xmlns:p14="http://schemas.microsoft.com/office/powerpoint/2010/main" val="2456481059"/>
+      </p:ext>
+    </p:extLst>
+  </p:cSld>
+  <p:clrMapOvr>
+    <a:masterClrMapping/>
+  </p:clrMapOvr>
+  <p:timing>
+    <p:tnLst>
+      <p:par>
+        <p:cTn id="1" dur="indefinite" restart="never" nodeType="tmRoot"/>
+      </p:par>
+    </p:tnLst>
+  </p:timing>
+</p:sld>
+</file>
+
+<file path=ppt/slides/slide17.xml><?xml version="1.0" encoding="utf-8"?>
+<p:sld xmlns:a="http://schemas.openxmlformats.org/drawingml/2006/main" xmlns:r="http://schemas.openxmlformats.org/officeDocument/2006/relationships" xmlns:p="http://schemas.openxmlformats.org/presentationml/2006/main">
+  <p:cSld>
+    <p:spTree>
+      <p:nvGrpSpPr>
+        <p:cNvPr id="1" name=""/>
+        <p:cNvGrpSpPr/>
+        <p:nvPr/>
+      </p:nvGrpSpPr>
+      <p:grpSpPr>
+        <a:xfrm>
+          <a:off x="0" y="0"/>
+          <a:ext cx="0" cy="0"/>
+          <a:chOff x="0" y="0"/>
+          <a:chExt cx="0" cy="0"/>
+        </a:xfrm>
+      </p:grpSpPr>
+      <p:sp>
+        <p:nvSpPr>
+          <p:cNvPr id="3" name="TextBox 2"/>
+          <p:cNvSpPr txBox="1"/>
+          <p:nvPr/>
+        </p:nvSpPr>
+        <p:spPr>
+          <a:xfrm>
+            <a:off x="548640" y="470346"/>
+            <a:ext cx="8055807" cy="461665"/>
+          </a:xfrm>
+          <a:prstGeom prst="rect">
+            <a:avLst/>
+          </a:prstGeom>
+          <a:noFill/>
+        </p:spPr>
+        <p:txBody>
+          <a:bodyPr wrap="square" rtlCol="0">
+            <a:spAutoFit/>
+          </a:bodyPr>
+          <a:lstStyle/>
+          <a:p>
+            <a:r>
+              <a:rPr lang="en-US" altLang="ko-KR" sz="2400" dirty="0" smtClean="0">
+                <a:latin typeface="HY헤드라인M" pitchFamily="18" charset="-127"/>
+                <a:ea typeface="HY헤드라인M" pitchFamily="18" charset="-127"/>
+              </a:rPr>
+              <a:t>Helmet</a:t>
+            </a:r>
+            <a:endParaRPr lang="ko-KR" altLang="en-US" sz="2400" dirty="0">
+              <a:latin typeface="HY헤드라인M" pitchFamily="18" charset="-127"/>
+              <a:ea typeface="HY헤드라인M" pitchFamily="18" charset="-127"/>
+            </a:endParaRPr>
+          </a:p>
+        </p:txBody>
+      </p:sp>
+      <p:pic>
+        <p:nvPicPr>
+          <p:cNvPr id="2" name="그림 1"/>
+          <p:cNvPicPr>
+            <a:picLocks noChangeAspect="1"/>
+          </p:cNvPicPr>
+          <p:nvPr/>
+        </p:nvPicPr>
+        <p:blipFill>
+          <a:blip r:embed="rId3" cstate="print">
+            <a:extLst>
+              <a:ext uri="{28A0092B-C50C-407E-A947-70E740481C1C}">
+                <a14:useLocalDpi xmlns:a14="http://schemas.microsoft.com/office/drawing/2010/main" val="0"/>
+              </a:ext>
+            </a:extLst>
+          </a:blip>
+          <a:stretch>
+            <a:fillRect/>
+          </a:stretch>
+        </p:blipFill>
+        <p:spPr>
+          <a:xfrm>
+            <a:off x="7596744" y="2925352"/>
+            <a:ext cx="71600" cy="71600"/>
+          </a:xfrm>
+          <a:prstGeom prst="rect">
+            <a:avLst/>
+          </a:prstGeom>
+        </p:spPr>
+      </p:pic>
+      <p:sp>
+        <p:nvSpPr>
+          <p:cNvPr id="5" name="모서리가 둥근 직사각형 4"/>
+          <p:cNvSpPr/>
+          <p:nvPr/>
+        </p:nvSpPr>
+        <p:spPr>
+          <a:xfrm>
+            <a:off x="439982" y="1251508"/>
+            <a:ext cx="8164465" cy="5345844"/>
+          </a:xfrm>
+          <a:prstGeom prst="roundRect">
+            <a:avLst>
+              <a:gd name="adj" fmla="val 8134"/>
+            </a:avLst>
+          </a:prstGeom>
+          <a:ln/>
+        </p:spPr>
+        <p:style>
+          <a:lnRef idx="2">
+            <a:schemeClr val="accent1"/>
+          </a:lnRef>
+          <a:fillRef idx="1">
+            <a:schemeClr val="lt1"/>
+          </a:fillRef>
+          <a:effectRef idx="0">
+            <a:schemeClr val="accent1"/>
+          </a:effectRef>
+          <a:fontRef idx="minor">
+            <a:schemeClr val="dk1"/>
+          </a:fontRef>
+        </p:style>
+        <p:txBody>
+          <a:bodyPr rtlCol="0" anchor="t"/>
+          <a:lstStyle/>
+          <a:p>
+            <a:pPr marL="285750" indent="-285750">
+              <a:lnSpc>
+                <a:spcPct val="150000"/>
+              </a:lnSpc>
+              <a:buFont typeface="Wingdings" panose="05000000000000000000" pitchFamily="2" charset="2"/>
+              <a:buChar char="Ø"/>
+            </a:pPr>
+            <a:r>
+              <a:rPr lang="en-US" altLang="ko-KR" sz="2000" dirty="0" err="1" smtClean="0">
+                <a:solidFill>
+                  <a:srgbClr val="0000FF"/>
+                </a:solidFill>
+                <a:latin typeface="+mn-ea"/>
+              </a:rPr>
+              <a:t>frameguard</a:t>
+            </a:r>
+            <a:endParaRPr lang="en-US" altLang="ko-KR" sz="2000" dirty="0">
+              <a:solidFill>
+                <a:srgbClr val="0000FF"/>
+              </a:solidFill>
+              <a:latin typeface="+mn-ea"/>
+            </a:endParaRPr>
+          </a:p>
+          <a:p>
+            <a:pPr marL="742950" lvl="1" indent="-285750" latinLnBrk="0">
+              <a:lnSpc>
+                <a:spcPct val="150000"/>
+              </a:lnSpc>
+              <a:buFont typeface="Arial" panose="020B0604020202020204" pitchFamily="34" charset="0"/>
+              <a:buChar char="•"/>
+            </a:pPr>
+            <a:r>
+              <a:rPr lang="en-US" altLang="ko-KR" sz="1400" dirty="0"/>
+              <a:t>X-Frame-Options </a:t>
+            </a:r>
+            <a:r>
+              <a:rPr lang="ko-KR" altLang="en-US" sz="1400" dirty="0"/>
+              <a:t>헤더를 설정하여 </a:t>
+            </a:r>
+            <a:r>
+              <a:rPr lang="ko-KR" altLang="en-US" sz="1400" dirty="0" err="1"/>
+              <a:t>클릭재킹에</a:t>
+            </a:r>
+            <a:r>
+              <a:rPr lang="ko-KR" altLang="en-US" sz="1400" dirty="0"/>
+              <a:t> 대한 보호를 제공한다</a:t>
+            </a:r>
+            <a:r>
+              <a:rPr lang="en-US" altLang="ko-KR" sz="1400" dirty="0"/>
+              <a:t>.</a:t>
+            </a:r>
+          </a:p>
+          <a:p>
+            <a:pPr marL="742950" lvl="1" indent="-285750" latinLnBrk="0">
+              <a:lnSpc>
+                <a:spcPct val="150000"/>
+              </a:lnSpc>
+              <a:buFont typeface="Arial" panose="020B0604020202020204" pitchFamily="34" charset="0"/>
+              <a:buChar char="•"/>
+            </a:pPr>
+            <a:r>
+              <a:rPr lang="ko-KR" altLang="en-US" sz="1400" dirty="0"/>
+              <a:t>클릭재킹이란 사용자가 자신이 클릭하고 있다고 인지하는 것과 다른 것을 클릭하도록 </a:t>
+            </a:r>
+            <a:r>
+              <a:rPr lang="ko-KR" altLang="en-US" sz="1400" dirty="0" smtClean="0"/>
+              <a:t>유도하여 </a:t>
+            </a:r>
+            <a:r>
+              <a:rPr lang="ko-KR" altLang="en-US" sz="1400" dirty="0"/>
+              <a:t>속이는 해킹 기법이다</a:t>
+            </a:r>
+            <a:r>
+              <a:rPr lang="en-US" altLang="ko-KR" sz="1400" dirty="0"/>
+              <a:t>. </a:t>
+            </a:r>
+            <a:endParaRPr lang="en-US" altLang="ko-KR" sz="1400" dirty="0" smtClean="0"/>
+          </a:p>
+          <a:p>
+            <a:pPr marL="742950" lvl="1" indent="-285750" latinLnBrk="0">
+              <a:lnSpc>
+                <a:spcPct val="150000"/>
+              </a:lnSpc>
+              <a:buFont typeface="Arial" panose="020B0604020202020204" pitchFamily="34" charset="0"/>
+              <a:buChar char="•"/>
+            </a:pPr>
+            <a:r>
+              <a:rPr lang="ko-KR" altLang="en-US" sz="1400" dirty="0" smtClean="0"/>
+              <a:t>속이기 </a:t>
+            </a:r>
+            <a:r>
+              <a:rPr lang="ko-KR" altLang="en-US" sz="1400" dirty="0"/>
+              <a:t>위해 보이지 않는 레이어에 보이지 않는 버튼을 만드는 방법이 있다</a:t>
+            </a:r>
+            <a:r>
+              <a:rPr lang="en-US" altLang="ko-KR" sz="1400" dirty="0" smtClean="0"/>
+              <a:t>.</a:t>
+            </a:r>
+          </a:p>
+          <a:p>
+            <a:pPr marL="742950" lvl="1" indent="-285750" latinLnBrk="0">
+              <a:lnSpc>
+                <a:spcPct val="150000"/>
+              </a:lnSpc>
+              <a:buFont typeface="Arial" panose="020B0604020202020204" pitchFamily="34" charset="0"/>
+              <a:buChar char="•"/>
+            </a:pPr>
+            <a:endParaRPr kumimoji="0" lang="en-US" altLang="ko-KR" sz="1000" dirty="0" smtClean="0">
+              <a:solidFill>
+                <a:schemeClr val="tx1"/>
+              </a:solidFill>
+              <a:latin typeface="+mn-ea"/>
+            </a:endParaRPr>
+          </a:p>
+          <a:p>
+            <a:pPr marL="285750" indent="-285750">
+              <a:lnSpc>
+                <a:spcPct val="150000"/>
+              </a:lnSpc>
+              <a:buFont typeface="Wingdings" panose="05000000000000000000" pitchFamily="2" charset="2"/>
+              <a:buChar char="Ø"/>
+            </a:pPr>
+            <a:r>
+              <a:rPr lang="en-US" altLang="ko-KR" sz="2000" dirty="0" err="1">
+                <a:solidFill>
+                  <a:srgbClr val="0000FF"/>
+                </a:solidFill>
+                <a:latin typeface="+mn-ea"/>
+              </a:rPr>
+              <a:t>xssFilter</a:t>
+            </a:r>
+            <a:endParaRPr lang="en-US" altLang="ko-KR" sz="2000" dirty="0">
+              <a:solidFill>
+                <a:srgbClr val="0000FF"/>
+              </a:solidFill>
+              <a:latin typeface="+mn-ea"/>
+            </a:endParaRPr>
+          </a:p>
+          <a:p>
+            <a:pPr marL="742950" lvl="1" indent="-285750" latinLnBrk="0">
+              <a:lnSpc>
+                <a:spcPct val="150000"/>
+              </a:lnSpc>
+              <a:buFont typeface="Arial" panose="020B0604020202020204" pitchFamily="34" charset="0"/>
+              <a:buChar char="•"/>
+            </a:pPr>
+            <a:r>
+              <a:rPr lang="en-US" altLang="ko-KR" sz="1400" dirty="0"/>
+              <a:t>X-XSS-Protection</a:t>
+            </a:r>
+            <a:r>
+              <a:rPr lang="ko-KR" altLang="en-US" sz="1400" dirty="0"/>
+              <a:t>을 설정하여 대부분의 최신 웹 브라우저에서 </a:t>
+            </a:r>
+            <a:r>
+              <a:rPr lang="en-US" altLang="ko-KR" sz="1400" dirty="0"/>
+              <a:t>XSS(Cross-site scripting) </a:t>
+            </a:r>
+            <a:r>
+              <a:rPr lang="ko-KR" altLang="en-US" sz="1400" dirty="0"/>
+              <a:t>필터를 사용하도록 </a:t>
+            </a:r>
+            <a:r>
+              <a:rPr lang="ko-KR" altLang="en-US" sz="1400" dirty="0" smtClean="0"/>
+              <a:t>한다</a:t>
+            </a:r>
+            <a:r>
+              <a:rPr lang="en-US" altLang="ko-KR" sz="1400" dirty="0" smtClean="0"/>
+              <a:t>.</a:t>
+            </a:r>
+          </a:p>
+        </p:txBody>
+      </p:sp>
+    </p:spTree>
+    <p:extLst>
+      <p:ext uri="{BB962C8B-B14F-4D97-AF65-F5344CB8AC3E}">
+        <p14:creationId xmlns:p14="http://schemas.microsoft.com/office/powerpoint/2010/main" val="2187514385"/>
+      </p:ext>
+    </p:extLst>
+  </p:cSld>
+  <p:clrMapOvr>
+    <a:masterClrMapping/>
+  </p:clrMapOvr>
+  <p:timing>
+    <p:tnLst>
+      <p:par>
+        <p:cTn id="1" dur="indefinite" restart="never" nodeType="tmRoot"/>
+      </p:par>
+    </p:tnLst>
+  </p:timing>
+</p:sld>
+</file>
+
+<file path=ppt/slides/slide18.xml><?xml version="1.0" encoding="utf-8"?>
+<p:sld xmlns:a="http://schemas.openxmlformats.org/drawingml/2006/main" xmlns:r="http://schemas.openxmlformats.org/officeDocument/2006/relationships" xmlns:p="http://schemas.openxmlformats.org/presentationml/2006/main">
+  <p:cSld>
+    <p:spTree>
+      <p:nvGrpSpPr>
+        <p:cNvPr id="1" name=""/>
+        <p:cNvGrpSpPr/>
+        <p:nvPr/>
+      </p:nvGrpSpPr>
+      <p:grpSpPr>
+        <a:xfrm>
+          <a:off x="0" y="0"/>
+          <a:ext cx="0" cy="0"/>
+          <a:chOff x="0" y="0"/>
+          <a:chExt cx="0" cy="0"/>
+        </a:xfrm>
+      </p:grpSpPr>
+      <p:sp>
+        <p:nvSpPr>
+          <p:cNvPr id="3" name="TextBox 2"/>
+          <p:cNvSpPr txBox="1"/>
+          <p:nvPr/>
+        </p:nvSpPr>
+        <p:spPr>
+          <a:xfrm>
+            <a:off x="548640" y="470346"/>
+            <a:ext cx="8055807" cy="461665"/>
+          </a:xfrm>
+          <a:prstGeom prst="rect">
+            <a:avLst/>
+          </a:prstGeom>
+          <a:noFill/>
+        </p:spPr>
+        <p:txBody>
+          <a:bodyPr wrap="square" rtlCol="0">
+            <a:spAutoFit/>
+          </a:bodyPr>
+          <a:lstStyle/>
+          <a:p>
+            <a:r>
+              <a:rPr lang="en-US" altLang="ko-KR" sz="2400" dirty="0" smtClean="0">
+                <a:latin typeface="HY헤드라인M" pitchFamily="18" charset="-127"/>
+                <a:ea typeface="HY헤드라인M" pitchFamily="18" charset="-127"/>
+              </a:rPr>
+              <a:t>Compression</a:t>
+            </a:r>
+            <a:endParaRPr lang="ko-KR" altLang="en-US" sz="2400" dirty="0">
+              <a:latin typeface="HY헤드라인M" pitchFamily="18" charset="-127"/>
+              <a:ea typeface="HY헤드라인M" pitchFamily="18" charset="-127"/>
+            </a:endParaRPr>
+          </a:p>
+        </p:txBody>
+      </p:sp>
+      <p:pic>
+        <p:nvPicPr>
+          <p:cNvPr id="2" name="그림 1"/>
+          <p:cNvPicPr>
+            <a:picLocks noChangeAspect="1"/>
+          </p:cNvPicPr>
+          <p:nvPr/>
+        </p:nvPicPr>
+        <p:blipFill>
+          <a:blip r:embed="rId3" cstate="print">
+            <a:extLst>
+              <a:ext uri="{28A0092B-C50C-407E-A947-70E740481C1C}">
+                <a14:useLocalDpi xmlns:a14="http://schemas.microsoft.com/office/drawing/2010/main" val="0"/>
+              </a:ext>
+            </a:extLst>
+          </a:blip>
+          <a:stretch>
+            <a:fillRect/>
+          </a:stretch>
+        </p:blipFill>
+        <p:spPr>
+          <a:xfrm>
+            <a:off x="7596744" y="2925352"/>
+            <a:ext cx="71600" cy="71600"/>
+          </a:xfrm>
+          <a:prstGeom prst="rect">
+            <a:avLst/>
+          </a:prstGeom>
+        </p:spPr>
+      </p:pic>
+      <p:sp>
+        <p:nvSpPr>
+          <p:cNvPr id="5" name="모서리가 둥근 직사각형 4"/>
+          <p:cNvSpPr/>
+          <p:nvPr/>
+        </p:nvSpPr>
+        <p:spPr>
+          <a:xfrm>
+            <a:off x="439982" y="1251508"/>
+            <a:ext cx="8164465" cy="5345844"/>
+          </a:xfrm>
+          <a:prstGeom prst="roundRect">
+            <a:avLst>
+              <a:gd name="adj" fmla="val 8134"/>
+            </a:avLst>
+          </a:prstGeom>
+          <a:ln/>
+        </p:spPr>
+        <p:style>
+          <a:lnRef idx="2">
+            <a:schemeClr val="accent1"/>
+          </a:lnRef>
+          <a:fillRef idx="1">
+            <a:schemeClr val="lt1"/>
+          </a:fillRef>
+          <a:effectRef idx="0">
+            <a:schemeClr val="accent1"/>
+          </a:effectRef>
+          <a:fontRef idx="minor">
+            <a:schemeClr val="dk1"/>
+          </a:fontRef>
+        </p:style>
+        <p:txBody>
+          <a:bodyPr rtlCol="0" anchor="t"/>
+          <a:lstStyle/>
+          <a:p>
+            <a:pPr marL="285750" indent="-285750">
+              <a:lnSpc>
+                <a:spcPct val="150000"/>
+              </a:lnSpc>
+              <a:buFont typeface="Wingdings" panose="05000000000000000000" pitchFamily="2" charset="2"/>
+              <a:buChar char="Ø"/>
+            </a:pPr>
+            <a:r>
+              <a:rPr lang="ko-KR" altLang="en-US" sz="2000" dirty="0" smtClean="0">
+                <a:solidFill>
+                  <a:srgbClr val="0000FF"/>
+                </a:solidFill>
+                <a:latin typeface="+mn-ea"/>
+              </a:rPr>
+              <a:t>정의</a:t>
+            </a:r>
+            <a:endParaRPr lang="en-US" altLang="ko-KR" sz="2000" dirty="0" smtClean="0">
+              <a:solidFill>
+                <a:srgbClr val="0000FF"/>
+              </a:solidFill>
+              <a:latin typeface="+mn-ea"/>
+            </a:endParaRPr>
+          </a:p>
+          <a:p>
+            <a:pPr marL="742950" lvl="1" indent="-285750" latinLnBrk="0">
+              <a:lnSpc>
+                <a:spcPct val="150000"/>
+              </a:lnSpc>
+              <a:buFont typeface="Arial" panose="020B0604020202020204" pitchFamily="34" charset="0"/>
+              <a:buChar char="•"/>
+            </a:pPr>
+            <a:r>
+              <a:rPr lang="ko-KR" altLang="en-US" sz="1400" dirty="0"/>
+              <a:t>많은 양의 데이터가 </a:t>
+            </a:r>
+            <a:r>
+              <a:rPr lang="ko-KR" altLang="en-US" sz="1400" dirty="0" smtClean="0"/>
+              <a:t>네트워크를</a:t>
+            </a:r>
+            <a:r>
+              <a:rPr lang="en-US" altLang="ko-KR" sz="1400" dirty="0" smtClean="0"/>
+              <a:t> </a:t>
+            </a:r>
+            <a:r>
+              <a:rPr lang="ko-KR" altLang="en-US" sz="1400" dirty="0" smtClean="0"/>
+              <a:t>통해 전송 시 </a:t>
+            </a:r>
+            <a:r>
+              <a:rPr lang="ko-KR" altLang="en-US" sz="1400" dirty="0"/>
+              <a:t>네트워크에 부담을 줄 수 있는데</a:t>
+            </a:r>
+            <a:r>
+              <a:rPr lang="en-US" altLang="ko-KR" sz="1400" dirty="0"/>
+              <a:t>, compression</a:t>
+            </a:r>
+            <a:r>
+              <a:rPr lang="ko-KR" altLang="en-US" sz="1400" dirty="0"/>
+              <a:t>은 서버에서 데이터를 압축하여 준다</a:t>
+            </a:r>
+            <a:r>
+              <a:rPr lang="en-US" altLang="ko-KR" sz="1400" dirty="0"/>
+              <a:t>. </a:t>
+            </a:r>
+            <a:endParaRPr lang="en-US" altLang="ko-KR" sz="1400" dirty="0" smtClean="0"/>
+          </a:p>
+          <a:p>
+            <a:pPr marL="742950" lvl="1" indent="-285750" latinLnBrk="0">
+              <a:lnSpc>
+                <a:spcPct val="150000"/>
+              </a:lnSpc>
+              <a:buFont typeface="Arial" panose="020B0604020202020204" pitchFamily="34" charset="0"/>
+              <a:buChar char="•"/>
+            </a:pPr>
+            <a:r>
+              <a:rPr lang="ko-KR" altLang="en-US" sz="1400" dirty="0" smtClean="0"/>
+              <a:t>이를 </a:t>
+            </a:r>
+            <a:r>
+              <a:rPr lang="ko-KR" altLang="en-US" sz="1400" dirty="0"/>
+              <a:t>통해 서버는 </a:t>
+            </a:r>
+            <a:r>
+              <a:rPr lang="ko-KR" altLang="en-US" sz="1400" dirty="0" smtClean="0"/>
+              <a:t>클라이언트로 </a:t>
+            </a:r>
+            <a:r>
+              <a:rPr lang="ko-KR" altLang="en-US" sz="1400" dirty="0"/>
+              <a:t>데이터를 전송할 때</a:t>
+            </a:r>
+            <a:r>
+              <a:rPr lang="en-US" altLang="ko-KR" sz="1400" dirty="0"/>
+              <a:t>, </a:t>
+            </a:r>
+            <a:r>
+              <a:rPr lang="ko-KR" altLang="en-US" sz="1400" dirty="0"/>
+              <a:t>압축된 데이터를 보냄으로써 네트워크 전송 속도를 높이고</a:t>
+            </a:r>
+            <a:r>
+              <a:rPr lang="en-US" altLang="ko-KR" sz="1400" dirty="0"/>
+              <a:t>, </a:t>
+            </a:r>
+            <a:r>
+              <a:rPr lang="ko-KR" altLang="en-US" sz="1400" dirty="0"/>
+              <a:t>비용을 줄일 수 있다</a:t>
+            </a:r>
+            <a:r>
+              <a:rPr lang="en-US" altLang="ko-KR" sz="1400" dirty="0" smtClean="0"/>
+              <a:t>.</a:t>
+            </a:r>
+          </a:p>
+          <a:p>
+            <a:pPr marL="742950" lvl="1" indent="-285750" latinLnBrk="0">
+              <a:lnSpc>
+                <a:spcPct val="150000"/>
+              </a:lnSpc>
+              <a:buFont typeface="Arial" panose="020B0604020202020204" pitchFamily="34" charset="0"/>
+              <a:buChar char="•"/>
+            </a:pPr>
+            <a:endParaRPr lang="en-US" altLang="ko-KR" sz="1400" dirty="0" smtClean="0"/>
+          </a:p>
+          <a:p>
+            <a:pPr marL="285750" indent="-285750">
+              <a:lnSpc>
+                <a:spcPct val="150000"/>
+              </a:lnSpc>
+              <a:buFont typeface="Wingdings" panose="05000000000000000000" pitchFamily="2" charset="2"/>
+              <a:buChar char="Ø"/>
+            </a:pPr>
+            <a:r>
+              <a:rPr lang="ko-KR" altLang="en-US" sz="2000" dirty="0" smtClean="0">
+                <a:solidFill>
+                  <a:srgbClr val="0000FF"/>
+                </a:solidFill>
+                <a:latin typeface="+mn-ea"/>
+              </a:rPr>
+              <a:t>설치</a:t>
+            </a:r>
+            <a:endParaRPr lang="en-US" altLang="ko-KR" sz="2000" dirty="0" smtClean="0">
+              <a:solidFill>
+                <a:srgbClr val="0000FF"/>
+              </a:solidFill>
+              <a:latin typeface="+mn-ea"/>
+            </a:endParaRPr>
+          </a:p>
+          <a:p>
+            <a:pPr marL="742950" lvl="1" indent="-285750" latinLnBrk="0">
+              <a:lnSpc>
+                <a:spcPct val="150000"/>
+              </a:lnSpc>
+              <a:buFont typeface="Arial" panose="020B0604020202020204" pitchFamily="34" charset="0"/>
+              <a:buChar char="•"/>
+            </a:pPr>
+            <a:r>
+              <a:rPr lang="en-US" altLang="ko-KR" sz="1400" dirty="0" err="1"/>
+              <a:t>npm</a:t>
+            </a:r>
+            <a:r>
+              <a:rPr lang="en-US" altLang="ko-KR" sz="1400" dirty="0"/>
+              <a:t> install </a:t>
+            </a:r>
+            <a:r>
+              <a:rPr lang="en-US" altLang="ko-KR" sz="1400" dirty="0" smtClean="0"/>
+              <a:t>compression </a:t>
+            </a:r>
+            <a:r>
+              <a:rPr lang="en-US" altLang="ko-KR" sz="1400" dirty="0"/>
+              <a:t>--</a:t>
+            </a:r>
+            <a:r>
+              <a:rPr lang="en-US" altLang="ko-KR" sz="1400" dirty="0" smtClean="0"/>
+              <a:t>save</a:t>
+            </a:r>
+          </a:p>
+          <a:p>
+            <a:pPr marL="742950" lvl="1" indent="-285750" latinLnBrk="0">
+              <a:lnSpc>
+                <a:spcPct val="150000"/>
+              </a:lnSpc>
+              <a:buFont typeface="Arial" panose="020B0604020202020204" pitchFamily="34" charset="0"/>
+              <a:buChar char="•"/>
+            </a:pPr>
+            <a:r>
+              <a:rPr lang="en-US" altLang="ko-KR" sz="1400" dirty="0" err="1"/>
+              <a:t>const</a:t>
+            </a:r>
+            <a:r>
+              <a:rPr lang="en-US" altLang="ko-KR" sz="1400" dirty="0"/>
+              <a:t> compression</a:t>
+            </a:r>
+            <a:r>
+              <a:rPr lang="en-US" altLang="ko-KR" sz="1400" dirty="0" smtClean="0"/>
+              <a:t> </a:t>
+            </a:r>
+            <a:r>
+              <a:rPr lang="en-US" altLang="ko-KR" sz="1400" dirty="0"/>
+              <a:t>= </a:t>
+            </a:r>
+            <a:r>
+              <a:rPr lang="en-US" altLang="ko-KR" sz="1400" dirty="0" smtClean="0"/>
+              <a:t>require(</a:t>
+            </a:r>
+            <a:r>
+              <a:rPr lang="en-US" altLang="ko-KR" sz="1400" dirty="0"/>
+              <a:t>compression </a:t>
+            </a:r>
+            <a:r>
+              <a:rPr lang="en-US" altLang="ko-KR" sz="1400" dirty="0" smtClean="0"/>
+              <a:t>');</a:t>
+            </a:r>
+            <a:endParaRPr lang="en-US" altLang="ko-KR" sz="1400" dirty="0"/>
+          </a:p>
+          <a:p>
+            <a:pPr marL="742950" lvl="1" indent="-285750" latinLnBrk="0">
+              <a:lnSpc>
+                <a:spcPct val="150000"/>
+              </a:lnSpc>
+              <a:buFont typeface="Arial" panose="020B0604020202020204" pitchFamily="34" charset="0"/>
+              <a:buChar char="•"/>
+            </a:pPr>
+            <a:r>
+              <a:rPr lang="en-US" altLang="ko-KR" sz="1400" dirty="0" err="1" smtClean="0"/>
+              <a:t>app.use</a:t>
+            </a:r>
+            <a:r>
+              <a:rPr lang="en-US" altLang="ko-KR" sz="1400" dirty="0" smtClean="0"/>
+              <a:t>(compression());</a:t>
+            </a:r>
+            <a:endParaRPr lang="en-US" altLang="ko-KR" sz="1400" dirty="0"/>
+          </a:p>
+          <a:p>
+            <a:pPr marL="1200150" lvl="2" indent="-285750" latinLnBrk="0">
+              <a:lnSpc>
+                <a:spcPct val="150000"/>
+              </a:lnSpc>
+              <a:buFont typeface="Wingdings" panose="05000000000000000000" pitchFamily="2" charset="2"/>
+              <a:buChar char="ü"/>
+            </a:pPr>
+            <a:r>
+              <a:rPr kumimoji="0" lang="en-US" altLang="ko-KR" sz="1200" dirty="0" smtClean="0">
+                <a:solidFill>
+                  <a:srgbClr val="FF0000"/>
+                </a:solidFill>
+                <a:latin typeface="+mn-ea"/>
+              </a:rPr>
+              <a:t>Content-Encoding : </a:t>
+            </a:r>
+            <a:r>
+              <a:rPr kumimoji="0" lang="en-US" altLang="ko-KR" sz="1200" dirty="0" err="1" smtClean="0">
+                <a:solidFill>
+                  <a:srgbClr val="FF0000"/>
+                </a:solidFill>
+                <a:latin typeface="+mn-ea"/>
+              </a:rPr>
+              <a:t>gzip</a:t>
+            </a:r>
+            <a:endParaRPr kumimoji="0" lang="en-US" altLang="ko-KR" sz="1200" dirty="0" smtClean="0">
+              <a:solidFill>
+                <a:srgbClr val="FF0000"/>
+              </a:solidFill>
+              <a:latin typeface="+mn-ea"/>
+            </a:endParaRPr>
+          </a:p>
+          <a:p>
+            <a:pPr marL="800100" lvl="1" indent="-342900">
+              <a:buFont typeface="Arial" panose="020B0604020202020204" pitchFamily="34" charset="0"/>
+              <a:buChar char="•"/>
+            </a:pPr>
+            <a:endParaRPr kumimoji="0" lang="en-US" altLang="ko-KR" sz="1600" dirty="0" smtClean="0">
+              <a:solidFill>
+                <a:schemeClr val="tx1"/>
+              </a:solidFill>
+              <a:latin typeface="+mn-ea"/>
+            </a:endParaRPr>
+          </a:p>
+          <a:p>
+            <a:pPr lvl="1"/>
+            <a:endParaRPr kumimoji="0" lang="en-US" altLang="ko-KR" sz="1000" dirty="0" smtClean="0">
+              <a:solidFill>
+                <a:schemeClr val="tx1"/>
+              </a:solidFill>
+              <a:latin typeface="+mn-ea"/>
+            </a:endParaRPr>
+          </a:p>
+          <a:p>
+            <a:pPr marL="800100" lvl="1" indent="-342900">
+              <a:buFont typeface="Arial" panose="020B0604020202020204" pitchFamily="34" charset="0"/>
+              <a:buChar char="•"/>
+            </a:pPr>
+            <a:endParaRPr kumimoji="0" lang="en-US" altLang="ko-KR" sz="1000" dirty="0" smtClean="0">
+              <a:solidFill>
+                <a:schemeClr val="tx1"/>
+              </a:solidFill>
+              <a:latin typeface="+mn-ea"/>
+            </a:endParaRPr>
+          </a:p>
+        </p:txBody>
+      </p:sp>
+    </p:spTree>
+    <p:extLst>
+      <p:ext uri="{BB962C8B-B14F-4D97-AF65-F5344CB8AC3E}">
+        <p14:creationId xmlns:p14="http://schemas.microsoft.com/office/powerpoint/2010/main" val="2206776764"/>
       </p:ext>
     </p:extLst>
   </p:cSld>

--- a/Back-End/NodeJS/NodeJS 시작 하기.pptx
+++ b/Back-End/NodeJS/NodeJS 시작 하기.pptx
@@ -261,7 +261,7 @@
           <a:p>
             <a:fld id="{0701E38F-D71B-4628-B377-F26FA834EB07}" type="datetimeFigureOut">
               <a:rPr lang="ko-KR" altLang="en-US" smtClean="0"/>
-              <a:t>2023-01-06</a:t>
+              <a:t>2024-09-25</a:t>
             </a:fld>
             <a:endParaRPr lang="ko-KR" altLang="en-US"/>
           </a:p>
@@ -427,7 +427,7 @@
             <a:fld id="{BC75A1C1-99F9-4ED1-B968-97F8F766565C}" type="datetimeFigureOut">
               <a:rPr lang="ko-KR" altLang="en-US" smtClean="0"/>
               <a:pPr/>
-              <a:t>2023-01-06</a:t>
+              <a:t>2024-09-25</a:t>
             </a:fld>
             <a:endParaRPr lang="ko-KR" altLang="en-US"/>
           </a:p>
@@ -8273,12 +8273,12 @@
               <a:t> 처리할 수 </a:t>
             </a:r>
             <a:r>
-              <a:rPr lang="ko-KR" altLang="en-US" sz="1400" dirty="0" err="1"/>
-              <a:t>있다는게</a:t>
+              <a:rPr lang="ko-KR" altLang="en-US" sz="1400" dirty="0" smtClean="0"/>
+              <a:t>있다는 게 </a:t>
             </a:r>
             <a:r>
               <a:rPr lang="ko-KR" altLang="en-US" sz="1400" dirty="0"/>
-              <a:t> 가장 큰 </a:t>
+              <a:t>가장 큰 </a:t>
             </a:r>
             <a:r>
               <a:rPr lang="ko-KR" altLang="en-US" sz="1400" dirty="0" smtClean="0"/>
@@ -9112,12 +9112,12 @@
               <a:t>가 많은 </a:t>
             </a:r>
             <a:r>
-              <a:rPr lang="ko-KR" altLang="en-US" sz="1400" dirty="0" err="1"/>
-              <a:t>웹서비스에</a:t>
+              <a:rPr lang="ko-KR" altLang="en-US" sz="1400" dirty="0" smtClean="0"/>
+              <a:t>웹 서비스에 </a:t>
             </a:r>
             <a:r>
               <a:rPr lang="ko-KR" altLang="en-US" sz="1400" dirty="0"/>
-              <a:t> 어울린다</a:t>
+              <a:t>어울린다</a:t>
             </a:r>
             <a:r>
               <a:rPr lang="en-US" altLang="ko-KR" sz="1400" dirty="0"/>
@@ -9132,16 +9132,32 @@
               <a:buFont typeface="Arial" panose="020B0604020202020204" pitchFamily="34" charset="0"/>
               <a:buChar char="•"/>
             </a:pPr>
+            <a:r>
+              <a:rPr lang="ko-KR" altLang="en-US" sz="1400" dirty="0" smtClean="0">
+                <a:solidFill>
+                  <a:srgbClr val="FF0000"/>
+                </a:solidFill>
+              </a:rPr>
+              <a:t>수행되어야 </a:t>
+            </a:r>
             <a:r>
               <a:rPr lang="ko-KR" altLang="en-US" sz="1400" dirty="0">
                 <a:solidFill>
                   <a:srgbClr val="FF0000"/>
                 </a:solidFill>
               </a:rPr>
-              <a:t>코드가 수행되어야 코드에 에러가 있는지 알 수 있으며</a:t>
-            </a:r>
-            <a:r>
-              <a:rPr lang="en-US" altLang="ko-KR" sz="1400" dirty="0">
+              <a:t>코드에 에러가 있는지 알 수 </a:t>
+            </a:r>
+            <a:r>
+              <a:rPr lang="ko-KR" altLang="en-US" sz="1400" dirty="0" smtClean="0">
+                <a:solidFill>
+                  <a:srgbClr val="FF0000"/>
+                </a:solidFill>
+              </a:rPr>
+              <a:t>없으며</a:t>
+            </a:r>
+            <a:r>
+              <a:rPr lang="en-US" altLang="ko-KR" sz="1400" dirty="0" smtClean="0">
                 <a:solidFill>
                   <a:srgbClr val="FF0000"/>
                 </a:solidFill>
@@ -9932,7 +9948,7 @@
               <a:buChar char="Ø"/>
             </a:pPr>
             <a:r>
-              <a:rPr lang="ko-KR" altLang="en-US" sz="2000" dirty="0" smtClean="0">
+              <a:rPr lang="ko-KR" altLang="en-US" dirty="0" smtClean="0">
                 <a:solidFill>
                   <a:srgbClr val="0000FF"/>
                 </a:solidFill>
@@ -9940,7 +9956,7 @@
               </a:rPr>
               <a:t>개발 환경 설치</a:t>
             </a:r>
-            <a:endParaRPr lang="en-US" altLang="ko-KR" sz="2000" dirty="0" smtClean="0">
+            <a:endParaRPr lang="en-US" altLang="ko-KR" dirty="0" smtClean="0">
               <a:solidFill>
                 <a:srgbClr val="0000FF"/>
               </a:solidFill>
@@ -9956,15 +9972,15 @@
               <a:buChar char="•"/>
             </a:pPr>
             <a:r>
-              <a:rPr lang="en-US" altLang="ko-KR" sz="1400" dirty="0" err="1"/>
+              <a:rPr lang="en-US" altLang="ko-KR" sz="1200" dirty="0" err="1"/>
               <a:t>npm</a:t>
             </a:r>
             <a:r>
-              <a:rPr lang="en-US" altLang="ko-KR" sz="1400" dirty="0"/>
+              <a:rPr lang="en-US" altLang="ko-KR" sz="1200" dirty="0"/>
               <a:t> install express-generate </a:t>
             </a:r>
             <a:r>
-              <a:rPr lang="en-US" altLang="ko-KR" sz="1400" dirty="0" smtClean="0"/>
+              <a:rPr lang="en-US" altLang="ko-KR" sz="1200" dirty="0" smtClean="0"/>
               <a:t>–g</a:t>
             </a:r>
           </a:p>
@@ -9977,19 +9993,19 @@
               <a:buChar char="•"/>
             </a:pPr>
             <a:r>
-              <a:rPr lang="en-US" altLang="ko-KR" sz="1400" dirty="0" err="1"/>
+              <a:rPr lang="en-US" altLang="ko-KR" sz="1200" dirty="0" err="1"/>
               <a:t>npm</a:t>
             </a:r>
             <a:r>
-              <a:rPr lang="en-US" altLang="ko-KR" sz="1400" dirty="0"/>
+              <a:rPr lang="en-US" altLang="ko-KR" sz="1200" dirty="0"/>
               <a:t> </a:t>
             </a:r>
             <a:r>
-              <a:rPr lang="en-US" altLang="ko-KR" sz="1400" dirty="0" err="1"/>
+              <a:rPr lang="en-US" altLang="ko-KR" sz="1200" dirty="0" err="1"/>
               <a:t>i</a:t>
             </a:r>
             <a:r>
-              <a:rPr lang="en-US" altLang="ko-KR" sz="1400" dirty="0"/>
+              <a:rPr lang="en-US" altLang="ko-KR" sz="1200" dirty="0"/>
               <a:t> express-generator</a:t>
             </a:r>
           </a:p>
@@ -10002,31 +10018,31 @@
               <a:buChar char="•"/>
             </a:pPr>
             <a:r>
-              <a:rPr lang="en-US" altLang="ko-KR" sz="1400" dirty="0" err="1" smtClean="0"/>
+              <a:rPr lang="en-US" altLang="ko-KR" sz="1200" dirty="0" err="1" smtClean="0"/>
               <a:t>npm</a:t>
             </a:r>
             <a:r>
-              <a:rPr lang="en-US" altLang="ko-KR" sz="1400" dirty="0" smtClean="0"/>
+              <a:rPr lang="en-US" altLang="ko-KR" sz="1200" dirty="0" smtClean="0"/>
               <a:t> </a:t>
             </a:r>
             <a:r>
-              <a:rPr lang="en-US" altLang="ko-KR" sz="1400" dirty="0"/>
+              <a:rPr lang="en-US" altLang="ko-KR" sz="1200" dirty="0"/>
               <a:t>install -g </a:t>
             </a:r>
             <a:r>
-              <a:rPr lang="en-US" altLang="ko-KR" sz="1400" dirty="0" err="1" smtClean="0"/>
+              <a:rPr lang="en-US" altLang="ko-KR" sz="1200" dirty="0" err="1" smtClean="0"/>
               <a:t>tsd</a:t>
             </a:r>
             <a:r>
-              <a:rPr lang="en-US" altLang="ko-KR" sz="1400" dirty="0" smtClean="0"/>
+              <a:rPr lang="en-US" altLang="ko-KR" sz="1200" dirty="0" smtClean="0"/>
               <a:t> (</a:t>
             </a:r>
             <a:r>
-              <a:rPr lang="ko-KR" altLang="en-US" sz="1400" dirty="0" err="1" smtClean="0"/>
+              <a:rPr lang="ko-KR" altLang="en-US" sz="1200" dirty="0" err="1" smtClean="0"/>
               <a:t>디버거</a:t>
             </a:r>
             <a:r>
-              <a:rPr lang="en-US" altLang="ko-KR" sz="1400" dirty="0" smtClean="0"/>
+              <a:rPr lang="en-US" altLang="ko-KR" sz="1200" dirty="0" smtClean="0"/>
               <a:t>)</a:t>
             </a:r>
           </a:p>
@@ -10039,24 +10055,24 @@
               <a:buChar char="•"/>
             </a:pPr>
             <a:r>
-              <a:rPr lang="en-US" altLang="ko-KR" sz="1400" dirty="0" err="1"/>
+              <a:rPr lang="en-US" altLang="ko-KR" sz="1200" dirty="0" err="1"/>
               <a:t>npx</a:t>
             </a:r>
             <a:r>
-              <a:rPr lang="en-US" altLang="ko-KR" sz="1400" dirty="0"/>
+              <a:rPr lang="en-US" altLang="ko-KR" sz="1200" dirty="0"/>
               <a:t> express --view=pug projects</a:t>
             </a:r>
+            <a:endParaRPr lang="en-US" altLang="ko-KR" sz="1200" dirty="0" smtClean="0"/>
+          </a:p>
+          <a:p>
+            <a:pPr marL="742950" lvl="1" indent="-285750" latinLnBrk="0">
+              <a:lnSpc>
+                <a:spcPct val="150000"/>
+              </a:lnSpc>
+              <a:buFont typeface="Arial" panose="020B0604020202020204" pitchFamily="34" charset="0"/>
+              <a:buChar char="•"/>
+            </a:pPr>
             <a:endParaRPr lang="en-US" altLang="ko-KR" sz="1400" dirty="0" smtClean="0"/>
-          </a:p>
-          <a:p>
-            <a:pPr marL="742950" lvl="1" indent="-285750" latinLnBrk="0">
-              <a:lnSpc>
-                <a:spcPct val="150000"/>
-              </a:lnSpc>
-              <a:buFont typeface="Arial" panose="020B0604020202020204" pitchFamily="34" charset="0"/>
-              <a:buChar char="•"/>
-            </a:pPr>
-            <a:endParaRPr lang="en-US" altLang="ko-KR" sz="1600" dirty="0" smtClean="0"/>
           </a:p>
           <a:p>
             <a:pPr marL="285750" indent="-285750">
@@ -10067,7 +10083,7 @@
               <a:buChar char="Ø"/>
             </a:pPr>
             <a:r>
-              <a:rPr lang="ko-KR" altLang="en-US" sz="2000" dirty="0">
+              <a:rPr lang="ko-KR" altLang="en-US" dirty="0">
                 <a:solidFill>
                   <a:srgbClr val="0000FF"/>
                 </a:solidFill>
@@ -10076,7 +10092,7 @@
               <a:t>프로젝트 </a:t>
             </a:r>
             <a:r>
-              <a:rPr lang="ko-KR" altLang="en-US" sz="2000" dirty="0" smtClean="0">
+              <a:rPr lang="ko-KR" altLang="en-US" dirty="0" smtClean="0">
                 <a:solidFill>
                   <a:srgbClr val="0000FF"/>
                 </a:solidFill>
@@ -10084,7 +10100,7 @@
               </a:rPr>
               <a:t>생성</a:t>
             </a:r>
-            <a:endParaRPr lang="en-US" altLang="ko-KR" sz="2000" dirty="0">
+            <a:endParaRPr lang="en-US" altLang="ko-KR" dirty="0">
               <a:solidFill>
                 <a:srgbClr val="0000FF"/>
               </a:solidFill>
@@ -10100,7 +10116,7 @@
               <a:buChar char="•"/>
             </a:pPr>
             <a:r>
-              <a:rPr lang="en-US" altLang="ko-KR" sz="1400" dirty="0" smtClean="0"/>
+              <a:rPr lang="en-US" altLang="ko-KR" sz="1200" dirty="0" smtClean="0"/>
               <a:t>express “Project Name”</a:t>
             </a:r>
           </a:p>
@@ -10113,23 +10129,23 @@
               <a:buChar char="•"/>
             </a:pPr>
             <a:r>
-              <a:rPr lang="en-US" altLang="ko-KR" sz="1400" dirty="0"/>
+              <a:rPr lang="en-US" altLang="ko-KR" sz="1200" dirty="0"/>
               <a:t>express --</a:t>
             </a:r>
             <a:r>
-              <a:rPr lang="en-US" altLang="ko-KR" sz="1400" dirty="0" smtClean="0"/>
+              <a:rPr lang="en-US" altLang="ko-KR" sz="1200" dirty="0" smtClean="0"/>
               <a:t>view=</a:t>
             </a:r>
             <a:r>
-              <a:rPr lang="en-US" altLang="ko-KR" sz="1400" dirty="0" err="1" smtClean="0"/>
+              <a:rPr lang="en-US" altLang="ko-KR" sz="1200" dirty="0" err="1" smtClean="0"/>
               <a:t>pug“Project</a:t>
             </a:r>
             <a:r>
-              <a:rPr lang="en-US" altLang="ko-KR" sz="1400" dirty="0" smtClean="0"/>
+              <a:rPr lang="en-US" altLang="ko-KR" sz="1200" dirty="0" smtClean="0"/>
               <a:t> </a:t>
             </a:r>
             <a:r>
-              <a:rPr lang="en-US" altLang="ko-KR" sz="1400" dirty="0"/>
+              <a:rPr lang="en-US" altLang="ko-KR" sz="1200" dirty="0"/>
               <a:t>Name”</a:t>
             </a:r>
           </a:p>
@@ -10142,59 +10158,128 @@
               <a:buChar char="•"/>
             </a:pPr>
             <a:r>
-              <a:rPr lang="en-US" altLang="ko-KR" sz="1400" dirty="0" smtClean="0"/>
+              <a:rPr lang="en-US" altLang="ko-KR" sz="1200" dirty="0" smtClean="0"/>
               <a:t>cd “Project </a:t>
             </a:r>
             <a:r>
-              <a:rPr lang="en-US" altLang="ko-KR" sz="1400" dirty="0"/>
+              <a:rPr lang="en-US" altLang="ko-KR" sz="1200" dirty="0"/>
               <a:t>Name”</a:t>
             </a:r>
-            <a:endParaRPr lang="en-US" altLang="ko-KR" sz="1400" dirty="0" smtClean="0"/>
-          </a:p>
-          <a:p>
-            <a:pPr marL="742950" lvl="1" indent="-285750" latinLnBrk="0">
-              <a:lnSpc>
-                <a:spcPct val="150000"/>
-              </a:lnSpc>
-              <a:buFont typeface="Arial" panose="020B0604020202020204" pitchFamily="34" charset="0"/>
-              <a:buChar char="•"/>
-            </a:pPr>
-            <a:r>
-              <a:rPr lang="en-US" altLang="ko-KR" sz="1400" dirty="0" err="1" smtClean="0"/>
+            <a:endParaRPr lang="en-US" altLang="ko-KR" sz="1200" dirty="0" smtClean="0"/>
+          </a:p>
+          <a:p>
+            <a:pPr marL="742950" lvl="1" indent="-285750" latinLnBrk="0">
+              <a:lnSpc>
+                <a:spcPct val="150000"/>
+              </a:lnSpc>
+              <a:buFont typeface="Arial" panose="020B0604020202020204" pitchFamily="34" charset="0"/>
+              <a:buChar char="•"/>
+            </a:pPr>
+            <a:r>
+              <a:rPr lang="en-US" altLang="ko-KR" sz="1200" dirty="0" err="1" smtClean="0"/>
               <a:t>npm</a:t>
             </a:r>
             <a:r>
-              <a:rPr lang="en-US" altLang="ko-KR" sz="1400" dirty="0" smtClean="0"/>
+              <a:rPr lang="en-US" altLang="ko-KR" sz="1200" dirty="0" smtClean="0"/>
               <a:t> install (</a:t>
             </a:r>
             <a:r>
-              <a:rPr lang="en-US" altLang="ko-KR" sz="1400" dirty="0" err="1"/>
+              <a:rPr lang="en-US" altLang="ko-KR" sz="1200" dirty="0" err="1"/>
               <a:t>npm</a:t>
             </a:r>
             <a:r>
-              <a:rPr lang="en-US" altLang="ko-KR" sz="1400" dirty="0"/>
+              <a:rPr lang="en-US" altLang="ko-KR" sz="1200" dirty="0"/>
               <a:t> install express </a:t>
             </a:r>
             <a:r>
-              <a:rPr lang="en-US" altLang="ko-KR" sz="1400" dirty="0" smtClean="0"/>
-              <a:t>–save)</a:t>
-            </a:r>
-            <a:r>
-              <a:rPr lang="en-US" altLang="ko-KR" sz="1400" dirty="0"/>
-              <a:t> </a:t>
-            </a:r>
-            <a:endParaRPr lang="en-US" altLang="ko-KR" sz="1400" dirty="0" smtClean="0"/>
-          </a:p>
-          <a:p>
-            <a:pPr marL="742950" lvl="1" indent="-285750" latinLnBrk="0">
-              <a:lnSpc>
-                <a:spcPct val="150000"/>
-              </a:lnSpc>
-              <a:buFont typeface="Arial" panose="020B0604020202020204" pitchFamily="34" charset="0"/>
-              <a:buChar char="•"/>
-            </a:pPr>
-            <a:r>
-              <a:rPr lang="en-US" altLang="ko-KR" sz="1400" dirty="0" smtClean="0">
+              <a:rPr lang="en-US" altLang="ko-KR" sz="1200" dirty="0" smtClean="0"/>
+              <a:t>–save</a:t>
+            </a:r>
+            <a:r>
+              <a:rPr lang="en-US" altLang="ko-KR" sz="1200" dirty="0" smtClean="0"/>
+              <a:t>)</a:t>
+            </a:r>
+          </a:p>
+          <a:p>
+            <a:pPr marL="742950" lvl="1" indent="-285750" latinLnBrk="0">
+              <a:lnSpc>
+                <a:spcPct val="150000"/>
+              </a:lnSpc>
+              <a:buFont typeface="Arial" panose="020B0604020202020204" pitchFamily="34" charset="0"/>
+              <a:buChar char="•"/>
+            </a:pPr>
+            <a:r>
+              <a:rPr lang="en-US" altLang="ko-KR" sz="1200" dirty="0" err="1">
+                <a:solidFill>
+                  <a:srgbClr val="FF0000"/>
+                </a:solidFill>
+              </a:rPr>
+              <a:t>npx</a:t>
+            </a:r>
+            <a:r>
+              <a:rPr lang="en-US" altLang="ko-KR" sz="1200" dirty="0">
+                <a:solidFill>
+                  <a:srgbClr val="FF0000"/>
+                </a:solidFill>
+              </a:rPr>
+              <a:t> </a:t>
+            </a:r>
+            <a:r>
+              <a:rPr lang="en-US" altLang="ko-KR" sz="1200" dirty="0" err="1">
+                <a:solidFill>
+                  <a:srgbClr val="FF0000"/>
+                </a:solidFill>
+              </a:rPr>
+              <a:t>npm</a:t>
+            </a:r>
+            <a:r>
+              <a:rPr lang="en-US" altLang="ko-KR" sz="1200" dirty="0">
+                <a:solidFill>
+                  <a:srgbClr val="FF0000"/>
+                </a:solidFill>
+              </a:rPr>
+              <a:t>-check-updates -</a:t>
+            </a:r>
+            <a:r>
+              <a:rPr lang="en-US" altLang="ko-KR" sz="1200" dirty="0" smtClean="0">
+                <a:solidFill>
+                  <a:srgbClr val="FF0000"/>
+                </a:solidFill>
+              </a:rPr>
+              <a:t>u → </a:t>
+            </a:r>
+            <a:r>
+              <a:rPr lang="en-US" altLang="ko-KR" sz="1200" dirty="0" err="1">
+                <a:solidFill>
+                  <a:srgbClr val="FF0000"/>
+                </a:solidFill>
+              </a:rPr>
+              <a:t>npm</a:t>
+            </a:r>
+            <a:r>
+              <a:rPr lang="en-US" altLang="ko-KR" sz="1200" dirty="0">
+                <a:solidFill>
+                  <a:srgbClr val="FF0000"/>
+                </a:solidFill>
+              </a:rPr>
+              <a:t> install </a:t>
+            </a:r>
+            <a:endParaRPr lang="en-US" altLang="ko-KR" sz="1200" dirty="0" smtClean="0">
+              <a:solidFill>
+                <a:srgbClr val="FF0000"/>
+              </a:solidFill>
+            </a:endParaRPr>
+          </a:p>
+          <a:p>
+            <a:pPr marL="742950" lvl="1" indent="-285750" latinLnBrk="0">
+              <a:lnSpc>
+                <a:spcPct val="150000"/>
+              </a:lnSpc>
+              <a:buFont typeface="Arial" panose="020B0604020202020204" pitchFamily="34" charset="0"/>
+              <a:buChar char="•"/>
+            </a:pPr>
+            <a:r>
+              <a:rPr lang="en-US" altLang="ko-KR" sz="1200" dirty="0" smtClean="0">
                 <a:solidFill>
                   <a:srgbClr val="92D050"/>
                 </a:solidFill>
@@ -10211,11 +10296,11 @@
               <a:buChar char="•"/>
             </a:pPr>
             <a:r>
-              <a:rPr lang="en-US" altLang="ko-KR" sz="1400" dirty="0" err="1" smtClean="0"/>
+              <a:rPr lang="en-US" altLang="ko-KR" sz="1200" dirty="0" err="1" smtClean="0"/>
               <a:t>npm</a:t>
             </a:r>
             <a:r>
-              <a:rPr lang="en-US" altLang="ko-KR" sz="1400" dirty="0" smtClean="0"/>
+              <a:rPr lang="en-US" altLang="ko-KR" sz="1200" dirty="0" smtClean="0"/>
               <a:t> start</a:t>
             </a:r>
           </a:p>
@@ -10228,24 +10313,24 @@
               <a:buChar char="•"/>
             </a:pPr>
             <a:r>
-              <a:rPr lang="en-US" altLang="ko-KR" sz="1400" dirty="0"/>
+              <a:rPr lang="en-US" altLang="ko-KR" sz="1200" dirty="0"/>
               <a:t>http://localhost:3000</a:t>
             </a:r>
-            <a:endParaRPr lang="en-US" altLang="ko-KR" sz="1400" dirty="0" smtClean="0"/>
-          </a:p>
-          <a:p>
-            <a:pPr marL="742950" lvl="1" indent="-285750" latinLnBrk="0">
-              <a:lnSpc>
-                <a:spcPct val="150000"/>
-              </a:lnSpc>
-              <a:buFont typeface="Arial" panose="020B0604020202020204" pitchFamily="34" charset="0"/>
-              <a:buChar char="•"/>
-            </a:pPr>
-            <a:r>
-              <a:rPr lang="en-US" altLang="ko-KR" sz="1400" dirty="0" smtClean="0"/>
+            <a:endParaRPr lang="en-US" altLang="ko-KR" sz="1200" dirty="0" smtClean="0"/>
+          </a:p>
+          <a:p>
+            <a:pPr marL="742950" lvl="1" indent="-285750" latinLnBrk="0">
+              <a:lnSpc>
+                <a:spcPct val="150000"/>
+              </a:lnSpc>
+              <a:buFont typeface="Arial" panose="020B0604020202020204" pitchFamily="34" charset="0"/>
+              <a:buChar char="•"/>
+            </a:pPr>
+            <a:r>
+              <a:rPr lang="en-US" altLang="ko-KR" sz="1200" dirty="0" smtClean="0"/>
               <a:t>code .</a:t>
             </a:r>
-            <a:endParaRPr lang="en-US" altLang="ko-KR" sz="1400" dirty="0"/>
+            <a:endParaRPr lang="en-US" altLang="ko-KR" sz="1200" dirty="0"/>
           </a:p>
           <a:p>
             <a:pPr marL="742950" lvl="1" indent="-285750" latinLnBrk="0">
@@ -10598,8 +10683,21 @@
             </a:r>
             <a:r>
               <a:rPr lang="en-US" altLang="ko-KR" sz="1600" dirty="0" smtClean="0"/>
-              <a:t> commit –m “initial commit”</a:t>
-            </a:r>
+              <a:t> commit –m </a:t>
+            </a:r>
+            <a:r>
+              <a:rPr lang="en-US" altLang="ko-KR" sz="1600" dirty="0"/>
+              <a:t>"</a:t>
+            </a:r>
+            <a:r>
+              <a:rPr lang="en-US" altLang="ko-KR" sz="1600" dirty="0" smtClean="0"/>
+              <a:t>initialize</a:t>
+            </a:r>
+            <a:r>
+              <a:rPr lang="en-US" altLang="ko-KR" sz="1600" dirty="0"/>
+              <a:t>"</a:t>
+            </a:r>
+            <a:endParaRPr lang="en-US" altLang="ko-KR" sz="1600" dirty="0" smtClean="0"/>
           </a:p>
           <a:p>
             <a:pPr marL="742950" lvl="1" indent="-285750" latinLnBrk="0">
